--- a/Barrier Reef Orchestra - flow chart.pptx
+++ b/Barrier Reef Orchestra - flow chart.pptx
@@ -208,7 +208,7 @@
           <a:p>
             <a:fld id="{AF123BD2-4861-4522-9559-02B633827E5C}" type="datetimeFigureOut">
               <a:rPr lang="en-AU" smtClean="0"/>
-              <a:t>26/04/2017</a:t>
+              <a:t>3/05/2017</a:t>
             </a:fld>
             <a:endParaRPr lang="en-AU"/>
           </a:p>
@@ -657,7 +657,7 @@
           <a:p>
             <a:fld id="{AD2901CF-FDE4-41D0-BFD5-262B72080587}" type="datetimeFigureOut">
               <a:rPr lang="en-AU" smtClean="0"/>
-              <a:t>26/04/2017</a:t>
+              <a:t>3/05/2017</a:t>
             </a:fld>
             <a:endParaRPr lang="en-AU"/>
           </a:p>
@@ -827,7 +827,7 @@
           <a:p>
             <a:fld id="{AD2901CF-FDE4-41D0-BFD5-262B72080587}" type="datetimeFigureOut">
               <a:rPr lang="en-AU" smtClean="0"/>
-              <a:t>26/04/2017</a:t>
+              <a:t>3/05/2017</a:t>
             </a:fld>
             <a:endParaRPr lang="en-AU"/>
           </a:p>
@@ -1007,7 +1007,7 @@
           <a:p>
             <a:fld id="{AD2901CF-FDE4-41D0-BFD5-262B72080587}" type="datetimeFigureOut">
               <a:rPr lang="en-AU" smtClean="0"/>
-              <a:t>26/04/2017</a:t>
+              <a:t>3/05/2017</a:t>
             </a:fld>
             <a:endParaRPr lang="en-AU"/>
           </a:p>
@@ -1177,7 +1177,7 @@
           <a:p>
             <a:fld id="{AD2901CF-FDE4-41D0-BFD5-262B72080587}" type="datetimeFigureOut">
               <a:rPr lang="en-AU" smtClean="0"/>
-              <a:t>26/04/2017</a:t>
+              <a:t>3/05/2017</a:t>
             </a:fld>
             <a:endParaRPr lang="en-AU"/>
           </a:p>
@@ -1423,7 +1423,7 @@
           <a:p>
             <a:fld id="{AD2901CF-FDE4-41D0-BFD5-262B72080587}" type="datetimeFigureOut">
               <a:rPr lang="en-AU" smtClean="0"/>
-              <a:t>26/04/2017</a:t>
+              <a:t>3/05/2017</a:t>
             </a:fld>
             <a:endParaRPr lang="en-AU"/>
           </a:p>
@@ -1711,7 +1711,7 @@
           <a:p>
             <a:fld id="{AD2901CF-FDE4-41D0-BFD5-262B72080587}" type="datetimeFigureOut">
               <a:rPr lang="en-AU" smtClean="0"/>
-              <a:t>26/04/2017</a:t>
+              <a:t>3/05/2017</a:t>
             </a:fld>
             <a:endParaRPr lang="en-AU"/>
           </a:p>
@@ -2133,7 +2133,7 @@
           <a:p>
             <a:fld id="{AD2901CF-FDE4-41D0-BFD5-262B72080587}" type="datetimeFigureOut">
               <a:rPr lang="en-AU" smtClean="0"/>
-              <a:t>26/04/2017</a:t>
+              <a:t>3/05/2017</a:t>
             </a:fld>
             <a:endParaRPr lang="en-AU"/>
           </a:p>
@@ -2251,7 +2251,7 @@
           <a:p>
             <a:fld id="{AD2901CF-FDE4-41D0-BFD5-262B72080587}" type="datetimeFigureOut">
               <a:rPr lang="en-AU" smtClean="0"/>
-              <a:t>26/04/2017</a:t>
+              <a:t>3/05/2017</a:t>
             </a:fld>
             <a:endParaRPr lang="en-AU"/>
           </a:p>
@@ -2346,7 +2346,7 @@
           <a:p>
             <a:fld id="{AD2901CF-FDE4-41D0-BFD5-262B72080587}" type="datetimeFigureOut">
               <a:rPr lang="en-AU" smtClean="0"/>
-              <a:t>26/04/2017</a:t>
+              <a:t>3/05/2017</a:t>
             </a:fld>
             <a:endParaRPr lang="en-AU"/>
           </a:p>
@@ -2623,7 +2623,7 @@
           <a:p>
             <a:fld id="{AD2901CF-FDE4-41D0-BFD5-262B72080587}" type="datetimeFigureOut">
               <a:rPr lang="en-AU" smtClean="0"/>
-              <a:t>26/04/2017</a:t>
+              <a:t>3/05/2017</a:t>
             </a:fld>
             <a:endParaRPr lang="en-AU"/>
           </a:p>
@@ -2876,7 +2876,7 @@
           <a:p>
             <a:fld id="{AD2901CF-FDE4-41D0-BFD5-262B72080587}" type="datetimeFigureOut">
               <a:rPr lang="en-AU" smtClean="0"/>
-              <a:t>26/04/2017</a:t>
+              <a:t>3/05/2017</a:t>
             </a:fld>
             <a:endParaRPr lang="en-AU"/>
           </a:p>
@@ -3089,7 +3089,7 @@
           <a:p>
             <a:fld id="{AD2901CF-FDE4-41D0-BFD5-262B72080587}" type="datetimeFigureOut">
               <a:rPr lang="en-AU" smtClean="0"/>
-              <a:t>26/04/2017</a:t>
+              <a:t>3/05/2017</a:t>
             </a:fld>
             <a:endParaRPr lang="en-AU"/>
           </a:p>
@@ -3645,62 +3645,21 @@
           </a:p>
         </p:txBody>
       </p:sp>
-      <p:sp>
-        <p:nvSpPr>
-          <p:cNvPr id="11" name="TextBox 10"/>
-          <p:cNvSpPr txBox="1"/>
-          <p:nvPr/>
-        </p:nvSpPr>
-        <p:spPr>
-          <a:xfrm>
-            <a:off x="349241" y="3166325"/>
-            <a:ext cx="1071736" cy="369332"/>
-          </a:xfrm>
-          <a:prstGeom prst="rect">
-            <a:avLst/>
-          </a:prstGeom>
-          <a:solidFill>
-            <a:srgbClr val="00B050"/>
-          </a:solidFill>
-          <a:ln>
-            <a:solidFill>
-              <a:schemeClr val="tx1"/>
-            </a:solidFill>
-          </a:ln>
-        </p:spPr>
-        <p:txBody>
-          <a:bodyPr wrap="square" rtlCol="0">
-            <a:spAutoFit/>
-          </a:bodyPr>
-          <a:lstStyle/>
-          <a:p>
-            <a:r>
-              <a:rPr lang="en-AU" dirty="0" smtClean="0"/>
-              <a:t>About us</a:t>
-            </a:r>
-            <a:endParaRPr lang="en-AU" dirty="0"/>
-          </a:p>
-        </p:txBody>
-      </p:sp>
       <p:cxnSp>
         <p:nvCxnSpPr>
-          <p:cNvPr id="21" name="Straight Arrow Connector 20"/>
-          <p:cNvCxnSpPr>
-            <a:endCxn id="91" idx="2"/>
-          </p:cNvCxnSpPr>
+          <p:cNvPr id="27" name="Straight Connector 26"/>
+          <p:cNvCxnSpPr/>
           <p:nvPr/>
         </p:nvCxnSpPr>
         <p:spPr>
-          <a:xfrm flipV="1">
-            <a:off x="3344684" y="1837982"/>
-            <a:ext cx="1032" cy="658048"/>
-          </a:xfrm>
-          <a:prstGeom prst="straightConnector1">
-            <a:avLst/>
-          </a:prstGeom>
-          <a:ln w="19050">
-            <a:tailEnd type="arrow"/>
-          </a:ln>
+          <a:xfrm>
+            <a:off x="179512" y="1208984"/>
+            <a:ext cx="0" cy="1551838"/>
+          </a:xfrm>
+          <a:prstGeom prst="line">
+            <a:avLst/>
+          </a:prstGeom>
+          <a:ln w="19050"/>
         </p:spPr>
         <p:style>
           <a:lnRef idx="1">
@@ -3719,21 +3678,19 @@
       </p:cxnSp>
       <p:cxnSp>
         <p:nvCxnSpPr>
-          <p:cNvPr id="30" name="Straight Arrow Connector 29"/>
+          <p:cNvPr id="73" name="Straight Connector 72"/>
           <p:cNvCxnSpPr/>
           <p:nvPr/>
         </p:nvCxnSpPr>
         <p:spPr>
-          <a:xfrm>
-            <a:off x="904560" y="2501280"/>
-            <a:ext cx="0" cy="665045"/>
-          </a:xfrm>
-          <a:prstGeom prst="straightConnector1">
-            <a:avLst/>
-          </a:prstGeom>
-          <a:ln w="19050">
-            <a:tailEnd type="arrow"/>
-          </a:ln>
+          <a:xfrm flipH="1" flipV="1">
+            <a:off x="5187744" y="1462330"/>
+            <a:ext cx="10888" cy="2794265"/>
+          </a:xfrm>
+          <a:prstGeom prst="line">
+            <a:avLst/>
+          </a:prstGeom>
+          <a:ln w="19050"/>
         </p:spPr>
         <p:style>
           <a:lnRef idx="1">
@@ -3752,21 +3709,19 @@
       </p:cxnSp>
       <p:cxnSp>
         <p:nvCxnSpPr>
-          <p:cNvPr id="33" name="Straight Arrow Connector 32"/>
+          <p:cNvPr id="78" name="Straight Connector 77"/>
           <p:cNvCxnSpPr/>
           <p:nvPr/>
         </p:nvCxnSpPr>
         <p:spPr>
           <a:xfrm>
-            <a:off x="4752796" y="2526122"/>
-            <a:ext cx="0" cy="665045"/>
-          </a:xfrm>
-          <a:prstGeom prst="straightConnector1">
-            <a:avLst/>
-          </a:prstGeom>
-          <a:ln w="19050">
-            <a:tailEnd type="arrow"/>
-          </a:ln>
+            <a:off x="1331882" y="1128011"/>
+            <a:ext cx="0" cy="988876"/>
+          </a:xfrm>
+          <a:prstGeom prst="line">
+            <a:avLst/>
+          </a:prstGeom>
+          <a:ln w="19050"/>
         </p:spPr>
         <p:style>
           <a:lnRef idx="1">
@@ -3785,21 +3740,19 @@
       </p:cxnSp>
       <p:cxnSp>
         <p:nvCxnSpPr>
-          <p:cNvPr id="34" name="Straight Arrow Connector 33"/>
+          <p:cNvPr id="80" name="Straight Connector 79"/>
           <p:cNvCxnSpPr/>
           <p:nvPr/>
         </p:nvCxnSpPr>
         <p:spPr>
           <a:xfrm>
-            <a:off x="2808580" y="2520872"/>
-            <a:ext cx="0" cy="665045"/>
-          </a:xfrm>
-          <a:prstGeom prst="straightConnector1">
-            <a:avLst/>
-          </a:prstGeom>
-          <a:ln w="19050">
-            <a:tailEnd type="arrow"/>
-          </a:ln>
+            <a:off x="305917" y="3463724"/>
+            <a:ext cx="1459" cy="2427855"/>
+          </a:xfrm>
+          <a:prstGeom prst="line">
+            <a:avLst/>
+          </a:prstGeom>
+          <a:ln w="19050"/>
         </p:spPr>
         <p:style>
           <a:lnRef idx="1">
@@ -3818,14 +3771,14 @@
       </p:cxnSp>
       <p:cxnSp>
         <p:nvCxnSpPr>
-          <p:cNvPr id="27" name="Straight Connector 26"/>
+          <p:cNvPr id="88" name="Straight Connector 87"/>
           <p:cNvCxnSpPr/>
           <p:nvPr/>
         </p:nvCxnSpPr>
         <p:spPr>
-          <a:xfrm>
-            <a:off x="904560" y="3535657"/>
-            <a:ext cx="0" cy="1776430"/>
+          <a:xfrm flipV="1">
+            <a:off x="4383470" y="414271"/>
+            <a:ext cx="4364994" cy="17287"/>
           </a:xfrm>
           <a:prstGeom prst="line">
             <a:avLst/>
@@ -3847,552 +3800,6 @@
           </a:fontRef>
         </p:style>
       </p:cxnSp>
-      <p:cxnSp>
-        <p:nvCxnSpPr>
-          <p:cNvPr id="48" name="Straight Connector 47"/>
-          <p:cNvCxnSpPr/>
-          <p:nvPr/>
-        </p:nvCxnSpPr>
-        <p:spPr>
-          <a:xfrm>
-            <a:off x="904560" y="5312087"/>
-            <a:ext cx="247836" cy="0"/>
-          </a:xfrm>
-          <a:prstGeom prst="line">
-            <a:avLst/>
-          </a:prstGeom>
-          <a:ln w="19050"/>
-        </p:spPr>
-        <p:style>
-          <a:lnRef idx="1">
-            <a:schemeClr val="accent1"/>
-          </a:lnRef>
-          <a:fillRef idx="0">
-            <a:schemeClr val="accent1"/>
-          </a:fillRef>
-          <a:effectRef idx="0">
-            <a:schemeClr val="accent1"/>
-          </a:effectRef>
-          <a:fontRef idx="minor">
-            <a:schemeClr val="tx1"/>
-          </a:fontRef>
-        </p:style>
-      </p:cxnSp>
-      <p:sp>
-        <p:nvSpPr>
-          <p:cNvPr id="64" name="TextBox 63"/>
-          <p:cNvSpPr txBox="1"/>
-          <p:nvPr/>
-        </p:nvSpPr>
-        <p:spPr>
-          <a:xfrm>
-            <a:off x="1081608" y="5173587"/>
-            <a:ext cx="1097410" cy="276999"/>
-          </a:xfrm>
-          <a:prstGeom prst="rect">
-            <a:avLst/>
-          </a:prstGeom>
-          <a:solidFill>
-            <a:schemeClr val="bg1"/>
-          </a:solidFill>
-          <a:ln>
-            <a:solidFill>
-              <a:srgbClr val="C00000"/>
-            </a:solidFill>
-          </a:ln>
-        </p:spPr>
-        <p:txBody>
-          <a:bodyPr wrap="square" rtlCol="0">
-            <a:spAutoFit/>
-          </a:bodyPr>
-          <a:lstStyle/>
-          <a:p>
-            <a:r>
-              <a:rPr lang="en-AU" sz="1200" dirty="0" smtClean="0"/>
-              <a:t>Links</a:t>
-            </a:r>
-            <a:endParaRPr lang="en-AU" sz="1200" dirty="0"/>
-          </a:p>
-        </p:txBody>
-      </p:sp>
-      <p:cxnSp>
-        <p:nvCxnSpPr>
-          <p:cNvPr id="65" name="Straight Connector 64"/>
-          <p:cNvCxnSpPr/>
-          <p:nvPr/>
-        </p:nvCxnSpPr>
-        <p:spPr>
-          <a:xfrm>
-            <a:off x="915798" y="4777916"/>
-            <a:ext cx="247836" cy="0"/>
-          </a:xfrm>
-          <a:prstGeom prst="line">
-            <a:avLst/>
-          </a:prstGeom>
-          <a:ln w="19050"/>
-        </p:spPr>
-        <p:style>
-          <a:lnRef idx="1">
-            <a:schemeClr val="accent1"/>
-          </a:lnRef>
-          <a:fillRef idx="0">
-            <a:schemeClr val="accent1"/>
-          </a:fillRef>
-          <a:effectRef idx="0">
-            <a:schemeClr val="accent1"/>
-          </a:effectRef>
-          <a:fontRef idx="minor">
-            <a:schemeClr val="tx1"/>
-          </a:fontRef>
-        </p:style>
-      </p:cxnSp>
-      <p:cxnSp>
-        <p:nvCxnSpPr>
-          <p:cNvPr id="66" name="Straight Connector 65"/>
-          <p:cNvCxnSpPr/>
-          <p:nvPr/>
-        </p:nvCxnSpPr>
-        <p:spPr>
-          <a:xfrm>
-            <a:off x="899593" y="4209536"/>
-            <a:ext cx="204415" cy="142"/>
-          </a:xfrm>
-          <a:prstGeom prst="line">
-            <a:avLst/>
-          </a:prstGeom>
-          <a:ln w="19050"/>
-        </p:spPr>
-        <p:style>
-          <a:lnRef idx="1">
-            <a:schemeClr val="accent1"/>
-          </a:lnRef>
-          <a:fillRef idx="0">
-            <a:schemeClr val="accent1"/>
-          </a:fillRef>
-          <a:effectRef idx="0">
-            <a:schemeClr val="accent1"/>
-          </a:effectRef>
-          <a:fontRef idx="minor">
-            <a:schemeClr val="tx1"/>
-          </a:fontRef>
-        </p:style>
-      </p:cxnSp>
-      <p:sp>
-        <p:nvSpPr>
-          <p:cNvPr id="68" name="TextBox 67"/>
-          <p:cNvSpPr txBox="1"/>
-          <p:nvPr/>
-        </p:nvSpPr>
-        <p:spPr>
-          <a:xfrm>
-            <a:off x="1055668" y="3969869"/>
-            <a:ext cx="1160988" cy="461665"/>
-          </a:xfrm>
-          <a:prstGeom prst="rect">
-            <a:avLst/>
-          </a:prstGeom>
-          <a:solidFill>
-            <a:schemeClr val="bg1"/>
-          </a:solidFill>
-          <a:ln>
-            <a:solidFill>
-              <a:srgbClr val="C00000"/>
-            </a:solidFill>
-          </a:ln>
-        </p:spPr>
-        <p:txBody>
-          <a:bodyPr wrap="square" rtlCol="0">
-            <a:spAutoFit/>
-          </a:bodyPr>
-          <a:lstStyle/>
-          <a:p>
-            <a:r>
-              <a:rPr lang="en-AU" sz="1200" dirty="0" smtClean="0"/>
-              <a:t>About Beach Volleyball</a:t>
-            </a:r>
-            <a:endParaRPr lang="en-AU" sz="1200" dirty="0"/>
-          </a:p>
-        </p:txBody>
-      </p:sp>
-      <p:sp>
-        <p:nvSpPr>
-          <p:cNvPr id="69" name="TextBox 68"/>
-          <p:cNvSpPr txBox="1"/>
-          <p:nvPr/>
-        </p:nvSpPr>
-        <p:spPr>
-          <a:xfrm>
-            <a:off x="1077064" y="4596726"/>
-            <a:ext cx="1123083" cy="369332"/>
-          </a:xfrm>
-          <a:prstGeom prst="rect">
-            <a:avLst/>
-          </a:prstGeom>
-          <a:solidFill>
-            <a:schemeClr val="bg1"/>
-          </a:solidFill>
-          <a:ln>
-            <a:solidFill>
-              <a:srgbClr val="C00000"/>
-            </a:solidFill>
-          </a:ln>
-        </p:spPr>
-        <p:txBody>
-          <a:bodyPr wrap="square" rtlCol="0">
-            <a:spAutoFit/>
-          </a:bodyPr>
-          <a:lstStyle/>
-          <a:p>
-            <a:r>
-              <a:rPr lang="en-AU" sz="1200" dirty="0" smtClean="0"/>
-              <a:t>Play</a:t>
-            </a:r>
-            <a:r>
-              <a:rPr lang="en-AU" dirty="0" smtClean="0"/>
-              <a:t> </a:t>
-            </a:r>
-            <a:r>
-              <a:rPr lang="en-AU" sz="1200" dirty="0" smtClean="0"/>
-              <a:t>guidelines</a:t>
-            </a:r>
-            <a:endParaRPr lang="en-AU" sz="1200" dirty="0"/>
-          </a:p>
-        </p:txBody>
-      </p:sp>
-      <p:cxnSp>
-        <p:nvCxnSpPr>
-          <p:cNvPr id="73" name="Straight Connector 72"/>
-          <p:cNvCxnSpPr/>
-          <p:nvPr/>
-        </p:nvCxnSpPr>
-        <p:spPr>
-          <a:xfrm>
-            <a:off x="899593" y="2501280"/>
-            <a:ext cx="3853203" cy="19592"/>
-          </a:xfrm>
-          <a:prstGeom prst="line">
-            <a:avLst/>
-          </a:prstGeom>
-          <a:ln w="19050"/>
-        </p:spPr>
-        <p:style>
-          <a:lnRef idx="1">
-            <a:schemeClr val="accent1"/>
-          </a:lnRef>
-          <a:fillRef idx="0">
-            <a:schemeClr val="accent1"/>
-          </a:fillRef>
-          <a:effectRef idx="0">
-            <a:schemeClr val="accent1"/>
-          </a:effectRef>
-          <a:fontRef idx="minor">
-            <a:schemeClr val="tx1"/>
-          </a:fontRef>
-        </p:style>
-      </p:cxnSp>
-      <p:cxnSp>
-        <p:nvCxnSpPr>
-          <p:cNvPr id="74" name="Straight Connector 73"/>
-          <p:cNvCxnSpPr/>
-          <p:nvPr/>
-        </p:nvCxnSpPr>
-        <p:spPr>
-          <a:xfrm>
-            <a:off x="2806250" y="4390875"/>
-            <a:ext cx="247836" cy="0"/>
-          </a:xfrm>
-          <a:prstGeom prst="line">
-            <a:avLst/>
-          </a:prstGeom>
-          <a:ln w="19050"/>
-        </p:spPr>
-        <p:style>
-          <a:lnRef idx="1">
-            <a:schemeClr val="accent1"/>
-          </a:lnRef>
-          <a:fillRef idx="0">
-            <a:schemeClr val="accent1"/>
-          </a:fillRef>
-          <a:effectRef idx="0">
-            <a:schemeClr val="accent1"/>
-          </a:effectRef>
-          <a:fontRef idx="minor">
-            <a:schemeClr val="tx1"/>
-          </a:fontRef>
-        </p:style>
-      </p:cxnSp>
-      <p:sp>
-        <p:nvSpPr>
-          <p:cNvPr id="75" name="TextBox 74"/>
-          <p:cNvSpPr txBox="1"/>
-          <p:nvPr/>
-        </p:nvSpPr>
-        <p:spPr>
-          <a:xfrm>
-            <a:off x="2948346" y="4221357"/>
-            <a:ext cx="1071736" cy="276999"/>
-          </a:xfrm>
-          <a:prstGeom prst="rect">
-            <a:avLst/>
-          </a:prstGeom>
-          <a:solidFill>
-            <a:schemeClr val="bg1"/>
-          </a:solidFill>
-          <a:ln>
-            <a:solidFill>
-              <a:srgbClr val="C00000"/>
-            </a:solidFill>
-          </a:ln>
-        </p:spPr>
-        <p:txBody>
-          <a:bodyPr wrap="square" rtlCol="0">
-            <a:spAutoFit/>
-          </a:bodyPr>
-          <a:lstStyle/>
-          <a:p>
-            <a:r>
-              <a:rPr lang="en-AU" sz="1200" dirty="0" smtClean="0"/>
-              <a:t>Sign Up Form</a:t>
-            </a:r>
-            <a:endParaRPr lang="en-AU" sz="1200" dirty="0"/>
-          </a:p>
-        </p:txBody>
-      </p:sp>
-      <p:cxnSp>
-        <p:nvCxnSpPr>
-          <p:cNvPr id="78" name="Straight Connector 77"/>
-          <p:cNvCxnSpPr/>
-          <p:nvPr/>
-        </p:nvCxnSpPr>
-        <p:spPr>
-          <a:xfrm>
-            <a:off x="2805344" y="3401999"/>
-            <a:ext cx="0" cy="988876"/>
-          </a:xfrm>
-          <a:prstGeom prst="line">
-            <a:avLst/>
-          </a:prstGeom>
-          <a:ln w="19050"/>
-        </p:spPr>
-        <p:style>
-          <a:lnRef idx="1">
-            <a:schemeClr val="accent1"/>
-          </a:lnRef>
-          <a:fillRef idx="0">
-            <a:schemeClr val="accent1"/>
-          </a:fillRef>
-          <a:effectRef idx="0">
-            <a:schemeClr val="accent1"/>
-          </a:effectRef>
-          <a:fontRef idx="minor">
-            <a:schemeClr val="tx1"/>
-          </a:fontRef>
-        </p:style>
-      </p:cxnSp>
-      <p:sp>
-        <p:nvSpPr>
-          <p:cNvPr id="79" name="TextBox 78"/>
-          <p:cNvSpPr txBox="1"/>
-          <p:nvPr/>
-        </p:nvSpPr>
-        <p:spPr>
-          <a:xfrm>
-            <a:off x="2272948" y="3191167"/>
-            <a:ext cx="1071736" cy="369332"/>
-          </a:xfrm>
-          <a:prstGeom prst="rect">
-            <a:avLst/>
-          </a:prstGeom>
-          <a:solidFill>
-            <a:srgbClr val="00B050"/>
-          </a:solidFill>
-          <a:ln>
-            <a:solidFill>
-              <a:schemeClr val="tx1"/>
-            </a:solidFill>
-          </a:ln>
-        </p:spPr>
-        <p:txBody>
-          <a:bodyPr wrap="square" rtlCol="0">
-            <a:spAutoFit/>
-          </a:bodyPr>
-          <a:lstStyle/>
-          <a:p>
-            <a:r>
-              <a:rPr lang="en-AU" dirty="0" smtClean="0"/>
-              <a:t>Sign Up</a:t>
-            </a:r>
-            <a:endParaRPr lang="en-AU" dirty="0"/>
-          </a:p>
-        </p:txBody>
-      </p:sp>
-      <p:cxnSp>
-        <p:nvCxnSpPr>
-          <p:cNvPr id="80" name="Straight Connector 79"/>
-          <p:cNvCxnSpPr/>
-          <p:nvPr/>
-        </p:nvCxnSpPr>
-        <p:spPr>
-          <a:xfrm>
-            <a:off x="4752796" y="3068960"/>
-            <a:ext cx="0" cy="1290896"/>
-          </a:xfrm>
-          <a:prstGeom prst="line">
-            <a:avLst/>
-          </a:prstGeom>
-          <a:ln w="19050"/>
-        </p:spPr>
-        <p:style>
-          <a:lnRef idx="1">
-            <a:schemeClr val="accent1"/>
-          </a:lnRef>
-          <a:fillRef idx="0">
-            <a:schemeClr val="accent1"/>
-          </a:fillRef>
-          <a:effectRef idx="0">
-            <a:schemeClr val="accent1"/>
-          </a:effectRef>
-          <a:fontRef idx="minor">
-            <a:schemeClr val="tx1"/>
-          </a:fontRef>
-        </p:style>
-      </p:cxnSp>
-      <p:cxnSp>
-        <p:nvCxnSpPr>
-          <p:cNvPr id="82" name="Straight Connector 81"/>
-          <p:cNvCxnSpPr/>
-          <p:nvPr/>
-        </p:nvCxnSpPr>
-        <p:spPr>
-          <a:xfrm>
-            <a:off x="4752796" y="4359856"/>
-            <a:ext cx="247836" cy="0"/>
-          </a:xfrm>
-          <a:prstGeom prst="line">
-            <a:avLst/>
-          </a:prstGeom>
-          <a:ln w="19050"/>
-        </p:spPr>
-        <p:style>
-          <a:lnRef idx="1">
-            <a:schemeClr val="accent1"/>
-          </a:lnRef>
-          <a:fillRef idx="0">
-            <a:schemeClr val="accent1"/>
-          </a:fillRef>
-          <a:effectRef idx="0">
-            <a:schemeClr val="accent1"/>
-          </a:effectRef>
-          <a:fontRef idx="minor">
-            <a:schemeClr val="tx1"/>
-          </a:fontRef>
-        </p:style>
-      </p:cxnSp>
-      <p:sp>
-        <p:nvSpPr>
-          <p:cNvPr id="83" name="TextBox 82"/>
-          <p:cNvSpPr txBox="1"/>
-          <p:nvPr/>
-        </p:nvSpPr>
-        <p:spPr>
-          <a:xfrm>
-            <a:off x="4974187" y="4105452"/>
-            <a:ext cx="1071736" cy="461665"/>
-          </a:xfrm>
-          <a:prstGeom prst="rect">
-            <a:avLst/>
-          </a:prstGeom>
-          <a:solidFill>
-            <a:schemeClr val="bg1"/>
-          </a:solidFill>
-          <a:ln>
-            <a:solidFill>
-              <a:srgbClr val="C00000"/>
-            </a:solidFill>
-          </a:ln>
-        </p:spPr>
-        <p:txBody>
-          <a:bodyPr wrap="square" rtlCol="0">
-            <a:spAutoFit/>
-          </a:bodyPr>
-          <a:lstStyle/>
-          <a:p>
-            <a:r>
-              <a:rPr lang="en-AU" sz="1200" dirty="0" smtClean="0"/>
-              <a:t>Contact Information</a:t>
-            </a:r>
-            <a:endParaRPr lang="en-AU" sz="1200" dirty="0"/>
-          </a:p>
-        </p:txBody>
-      </p:sp>
-      <p:sp>
-        <p:nvSpPr>
-          <p:cNvPr id="86" name="TextBox 85"/>
-          <p:cNvSpPr txBox="1"/>
-          <p:nvPr/>
-        </p:nvSpPr>
-        <p:spPr>
-          <a:xfrm>
-            <a:off x="4111533" y="3191167"/>
-            <a:ext cx="1282526" cy="369332"/>
-          </a:xfrm>
-          <a:prstGeom prst="rect">
-            <a:avLst/>
-          </a:prstGeom>
-          <a:solidFill>
-            <a:srgbClr val="00B050"/>
-          </a:solidFill>
-          <a:ln>
-            <a:solidFill>
-              <a:schemeClr val="tx1"/>
-            </a:solidFill>
-          </a:ln>
-        </p:spPr>
-        <p:txBody>
-          <a:bodyPr wrap="square" rtlCol="0">
-            <a:spAutoFit/>
-          </a:bodyPr>
-          <a:lstStyle/>
-          <a:p>
-            <a:r>
-              <a:rPr lang="en-AU" dirty="0" smtClean="0"/>
-              <a:t>Contact Us</a:t>
-            </a:r>
-            <a:endParaRPr lang="en-AU" dirty="0"/>
-          </a:p>
-        </p:txBody>
-      </p:sp>
-      <p:cxnSp>
-        <p:nvCxnSpPr>
-          <p:cNvPr id="88" name="Straight Connector 87"/>
-          <p:cNvCxnSpPr/>
-          <p:nvPr/>
-        </p:nvCxnSpPr>
-        <p:spPr>
-          <a:xfrm>
-            <a:off x="4359000" y="1455778"/>
-            <a:ext cx="2160240" cy="0"/>
-          </a:xfrm>
-          <a:prstGeom prst="line">
-            <a:avLst/>
-          </a:prstGeom>
-          <a:ln w="19050"/>
-        </p:spPr>
-        <p:style>
-          <a:lnRef idx="1">
-            <a:schemeClr val="accent1"/>
-          </a:lnRef>
-          <a:fillRef idx="0">
-            <a:schemeClr val="accent1"/>
-          </a:fillRef>
-          <a:effectRef idx="0">
-            <a:schemeClr val="accent1"/>
-          </a:effectRef>
-          <a:fontRef idx="minor">
-            <a:schemeClr val="tx1"/>
-          </a:fontRef>
-        </p:style>
-      </p:cxnSp>
       <p:sp>
         <p:nvSpPr>
           <p:cNvPr id="91" name="Title 1"/>
@@ -4403,8 +3810,8 @@
         </p:nvSpPr>
         <p:spPr>
           <a:xfrm>
-            <a:off x="827584" y="1052736"/>
-            <a:ext cx="5036263" cy="785246"/>
+            <a:off x="2732276" y="181077"/>
+            <a:ext cx="1683678" cy="488878"/>
           </a:xfrm>
           <a:prstGeom prst="rect">
             <a:avLst/>
@@ -4420,7 +3827,7 @@
         </p:spPr>
         <p:txBody>
           <a:bodyPr vert="horz" lIns="91440" tIns="45720" rIns="91440" bIns="45720" rtlCol="0" anchor="ctr">
-            <a:normAutofit/>
+            <a:normAutofit fontScale="55000" lnSpcReduction="20000"/>
           </a:bodyPr>
           <a:lstStyle>
             <a:lvl1pPr algn="ctr" defTabSz="914400" rtl="0" eaLnBrk="1" latinLnBrk="0" hangingPunct="1">
@@ -4440,10 +3847,10 @@
           </a:lstStyle>
           <a:p>
             <a:r>
-              <a:rPr lang="en-AU" smtClean="0"/>
+              <a:rPr lang="en-AU" sz="5400" dirty="0" smtClean="0"/>
               <a:t>HOME</a:t>
             </a:r>
-            <a:endParaRPr lang="en-AU" dirty="0"/>
+            <a:endParaRPr lang="en-AU" sz="5400" dirty="0"/>
           </a:p>
         </p:txBody>
       </p:sp>
@@ -4455,8 +3862,8 @@
         </p:nvCxnSpPr>
         <p:spPr>
           <a:xfrm>
-            <a:off x="6519240" y="1455778"/>
-            <a:ext cx="0" cy="2530266"/>
+            <a:off x="2411760" y="699981"/>
+            <a:ext cx="0" cy="753837"/>
           </a:xfrm>
           <a:prstGeom prst="line">
             <a:avLst/>
@@ -4485,9 +3892,9 @@
           <p:nvPr/>
         </p:nvCxnSpPr>
         <p:spPr>
-          <a:xfrm>
-            <a:off x="6519240" y="1884148"/>
-            <a:ext cx="720080" cy="0"/>
+          <a:xfrm flipV="1">
+            <a:off x="5089701" y="220988"/>
+            <a:ext cx="0" cy="478993"/>
           </a:xfrm>
           <a:prstGeom prst="line">
             <a:avLst/>
@@ -4516,9 +3923,9 @@
           <p:nvPr/>
         </p:nvCxnSpPr>
         <p:spPr>
-          <a:xfrm>
-            <a:off x="6519240" y="2532220"/>
-            <a:ext cx="720080" cy="0"/>
+          <a:xfrm flipH="1" flipV="1">
+            <a:off x="6427628" y="243874"/>
+            <a:ext cx="5255" cy="475505"/>
           </a:xfrm>
           <a:prstGeom prst="line">
             <a:avLst/>
@@ -4547,9 +3954,329 @@
           <p:nvPr/>
         </p:nvCxnSpPr>
         <p:spPr>
-          <a:xfrm>
-            <a:off x="6519240" y="3315897"/>
-            <a:ext cx="720080" cy="0"/>
+          <a:xfrm flipV="1">
+            <a:off x="7830868" y="341477"/>
+            <a:ext cx="0" cy="230880"/>
+          </a:xfrm>
+          <a:prstGeom prst="line">
+            <a:avLst/>
+          </a:prstGeom>
+          <a:ln w="19050"/>
+        </p:spPr>
+        <p:style>
+          <a:lnRef idx="1">
+            <a:schemeClr val="accent1"/>
+          </a:lnRef>
+          <a:fillRef idx="0">
+            <a:schemeClr val="accent1"/>
+          </a:fillRef>
+          <a:effectRef idx="0">
+            <a:schemeClr val="accent1"/>
+          </a:effectRef>
+          <a:fontRef idx="minor">
+            <a:schemeClr val="tx1"/>
+          </a:fontRef>
+        </p:style>
+      </p:cxnSp>
+      <p:sp>
+        <p:nvSpPr>
+          <p:cNvPr id="103" name="TextBox 102"/>
+          <p:cNvSpPr txBox="1"/>
+          <p:nvPr/>
+        </p:nvSpPr>
+        <p:spPr>
+          <a:xfrm>
+            <a:off x="4448438" y="96627"/>
+            <a:ext cx="1282526" cy="276999"/>
+          </a:xfrm>
+          <a:prstGeom prst="rect">
+            <a:avLst/>
+          </a:prstGeom>
+          <a:ln/>
+        </p:spPr>
+        <p:style>
+          <a:lnRef idx="2">
+            <a:schemeClr val="accent3"/>
+          </a:lnRef>
+          <a:fillRef idx="1">
+            <a:schemeClr val="lt1"/>
+          </a:fillRef>
+          <a:effectRef idx="0">
+            <a:schemeClr val="accent3"/>
+          </a:effectRef>
+          <a:fontRef idx="minor">
+            <a:schemeClr val="dk1"/>
+          </a:fontRef>
+        </p:style>
+        <p:txBody>
+          <a:bodyPr wrap="square" rtlCol="0">
+            <a:spAutoFit/>
+          </a:bodyPr>
+          <a:lstStyle/>
+          <a:p>
+            <a:r>
+              <a:rPr lang="en-AU" sz="1200" dirty="0" smtClean="0"/>
+              <a:t>Welcome Section</a:t>
+            </a:r>
+            <a:endParaRPr lang="en-AU" sz="1200" dirty="0"/>
+          </a:p>
+        </p:txBody>
+      </p:sp>
+      <p:sp>
+        <p:nvSpPr>
+          <p:cNvPr id="105" name="TextBox 104"/>
+          <p:cNvSpPr txBox="1"/>
+          <p:nvPr/>
+        </p:nvSpPr>
+        <p:spPr>
+          <a:xfrm>
+            <a:off x="5847060" y="491077"/>
+            <a:ext cx="1282526" cy="461665"/>
+          </a:xfrm>
+          <a:prstGeom prst="rect">
+            <a:avLst/>
+          </a:prstGeom>
+          <a:ln/>
+        </p:spPr>
+        <p:style>
+          <a:lnRef idx="2">
+            <a:schemeClr val="accent3"/>
+          </a:lnRef>
+          <a:fillRef idx="1">
+            <a:schemeClr val="lt1"/>
+          </a:fillRef>
+          <a:effectRef idx="0">
+            <a:schemeClr val="accent3"/>
+          </a:effectRef>
+          <a:fontRef idx="minor">
+            <a:schemeClr val="dk1"/>
+          </a:fontRef>
+        </p:style>
+        <p:txBody>
+          <a:bodyPr wrap="square" rtlCol="0">
+            <a:spAutoFit/>
+          </a:bodyPr>
+          <a:lstStyle/>
+          <a:p>
+            <a:r>
+              <a:rPr lang="en-AU" sz="1200" dirty="0" err="1" smtClean="0"/>
+              <a:t>Upcomming</a:t>
+            </a:r>
+            <a:r>
+              <a:rPr lang="en-AU" sz="1200" dirty="0" smtClean="0"/>
+              <a:t> artist</a:t>
+            </a:r>
+            <a:endParaRPr lang="en-AU" sz="1200" dirty="0"/>
+          </a:p>
+        </p:txBody>
+      </p:sp>
+      <p:sp>
+        <p:nvSpPr>
+          <p:cNvPr id="107" name="TextBox 106"/>
+          <p:cNvSpPr txBox="1"/>
+          <p:nvPr/>
+        </p:nvSpPr>
+        <p:spPr>
+          <a:xfrm>
+            <a:off x="5813939" y="96627"/>
+            <a:ext cx="1282526" cy="276999"/>
+          </a:xfrm>
+          <a:prstGeom prst="rect">
+            <a:avLst/>
+          </a:prstGeom>
+          <a:ln/>
+        </p:spPr>
+        <p:style>
+          <a:lnRef idx="2">
+            <a:schemeClr val="accent3"/>
+          </a:lnRef>
+          <a:fillRef idx="1">
+            <a:schemeClr val="lt1"/>
+          </a:fillRef>
+          <a:effectRef idx="0">
+            <a:schemeClr val="accent3"/>
+          </a:effectRef>
+          <a:fontRef idx="minor">
+            <a:schemeClr val="dk1"/>
+          </a:fontRef>
+        </p:style>
+        <p:txBody>
+          <a:bodyPr wrap="square" rtlCol="0">
+            <a:spAutoFit/>
+          </a:bodyPr>
+          <a:lstStyle/>
+          <a:p>
+            <a:r>
+              <a:rPr lang="en-AU" sz="1200" dirty="0" smtClean="0"/>
+              <a:t>Shows</a:t>
+            </a:r>
+            <a:endParaRPr lang="en-AU" sz="1200" dirty="0"/>
+          </a:p>
+        </p:txBody>
+      </p:sp>
+      <p:sp>
+        <p:nvSpPr>
+          <p:cNvPr id="113" name="TextBox 112"/>
+          <p:cNvSpPr txBox="1"/>
+          <p:nvPr/>
+        </p:nvSpPr>
+        <p:spPr>
+          <a:xfrm>
+            <a:off x="4840" y="2970"/>
+            <a:ext cx="2800504" cy="430887"/>
+          </a:xfrm>
+          <a:prstGeom prst="rect">
+            <a:avLst/>
+          </a:prstGeom>
+          <a:noFill/>
+        </p:spPr>
+        <p:txBody>
+          <a:bodyPr wrap="square" rtlCol="0">
+            <a:spAutoFit/>
+          </a:bodyPr>
+          <a:lstStyle/>
+          <a:p>
+            <a:r>
+              <a:rPr lang="en-AU" sz="2200" u="sng" dirty="0" smtClean="0"/>
+              <a:t>Barrier Reef Orchestra</a:t>
+            </a:r>
+            <a:endParaRPr lang="en-AU" sz="2200" u="sng" dirty="0"/>
+          </a:p>
+        </p:txBody>
+      </p:sp>
+      <p:cxnSp>
+        <p:nvCxnSpPr>
+          <p:cNvPr id="38" name="Straight Connector 37"/>
+          <p:cNvCxnSpPr/>
+          <p:nvPr/>
+        </p:nvCxnSpPr>
+        <p:spPr>
+          <a:xfrm>
+            <a:off x="6583344" y="1878122"/>
+            <a:ext cx="0" cy="1557178"/>
+          </a:xfrm>
+          <a:prstGeom prst="line">
+            <a:avLst/>
+          </a:prstGeom>
+          <a:ln w="19050"/>
+        </p:spPr>
+        <p:style>
+          <a:lnRef idx="1">
+            <a:schemeClr val="accent1"/>
+          </a:lnRef>
+          <a:fillRef idx="0">
+            <a:schemeClr val="accent1"/>
+          </a:fillRef>
+          <a:effectRef idx="0">
+            <a:schemeClr val="accent1"/>
+          </a:effectRef>
+          <a:fontRef idx="minor">
+            <a:schemeClr val="tx1"/>
+          </a:fontRef>
+        </p:style>
+      </p:cxnSp>
+      <p:sp>
+        <p:nvSpPr>
+          <p:cNvPr id="45" name="TextBox 44"/>
+          <p:cNvSpPr txBox="1"/>
+          <p:nvPr/>
+        </p:nvSpPr>
+        <p:spPr>
+          <a:xfrm>
+            <a:off x="7194554" y="103078"/>
+            <a:ext cx="1282526" cy="369332"/>
+          </a:xfrm>
+          <a:prstGeom prst="rect">
+            <a:avLst/>
+          </a:prstGeom>
+          <a:ln/>
+        </p:spPr>
+        <p:style>
+          <a:lnRef idx="2">
+            <a:schemeClr val="accent3"/>
+          </a:lnRef>
+          <a:fillRef idx="1">
+            <a:schemeClr val="lt1"/>
+          </a:fillRef>
+          <a:effectRef idx="0">
+            <a:schemeClr val="accent3"/>
+          </a:effectRef>
+          <a:fontRef idx="minor">
+            <a:schemeClr val="dk1"/>
+          </a:fontRef>
+        </p:style>
+        <p:txBody>
+          <a:bodyPr wrap="square" rtlCol="0">
+            <a:spAutoFit/>
+          </a:bodyPr>
+          <a:lstStyle/>
+          <a:p>
+            <a:r>
+              <a:rPr lang="en-AU" sz="900" dirty="0" smtClean="0"/>
+              <a:t>Join us Sign </a:t>
+            </a:r>
+            <a:r>
+              <a:rPr lang="en-AU" sz="900" dirty="0" smtClean="0"/>
+              <a:t>Up/Member form</a:t>
+            </a:r>
+            <a:endParaRPr lang="en-AU" sz="900" dirty="0"/>
+          </a:p>
+        </p:txBody>
+      </p:sp>
+      <p:sp>
+        <p:nvSpPr>
+          <p:cNvPr id="47" name="TextBox 46"/>
+          <p:cNvSpPr txBox="1"/>
+          <p:nvPr/>
+        </p:nvSpPr>
+        <p:spPr>
+          <a:xfrm>
+            <a:off x="7189605" y="490906"/>
+            <a:ext cx="1282526" cy="276999"/>
+          </a:xfrm>
+          <a:prstGeom prst="rect">
+            <a:avLst/>
+          </a:prstGeom>
+          <a:ln/>
+        </p:spPr>
+        <p:style>
+          <a:lnRef idx="2">
+            <a:schemeClr val="accent3"/>
+          </a:lnRef>
+          <a:fillRef idx="1">
+            <a:schemeClr val="lt1"/>
+          </a:fillRef>
+          <a:effectRef idx="0">
+            <a:schemeClr val="accent3"/>
+          </a:effectRef>
+          <a:fontRef idx="minor">
+            <a:schemeClr val="dk1"/>
+          </a:fontRef>
+        </p:style>
+        <p:txBody>
+          <a:bodyPr wrap="square" rtlCol="0">
+            <a:spAutoFit/>
+          </a:bodyPr>
+          <a:lstStyle/>
+          <a:p>
+            <a:r>
+              <a:rPr lang="en-AU" sz="1200" dirty="0" smtClean="0"/>
+              <a:t>Facebook Link</a:t>
+            </a:r>
+            <a:endParaRPr lang="en-AU" sz="1200" dirty="0"/>
+          </a:p>
+        </p:txBody>
+      </p:sp>
+      <p:cxnSp>
+        <p:nvCxnSpPr>
+          <p:cNvPr id="49" name="Straight Connector 48"/>
+          <p:cNvCxnSpPr/>
+          <p:nvPr/>
+        </p:nvCxnSpPr>
+        <p:spPr>
+          <a:xfrm>
+            <a:off x="5696794" y="829784"/>
+            <a:ext cx="3046858" cy="763"/>
           </a:xfrm>
           <a:prstGeom prst="line">
             <a:avLst/>
@@ -4573,14 +4300,14 @@
       </p:cxnSp>
       <p:cxnSp>
         <p:nvCxnSpPr>
-          <p:cNvPr id="102" name="Straight Connector 101"/>
+          <p:cNvPr id="58" name="Straight Connector 57"/>
           <p:cNvCxnSpPr/>
           <p:nvPr/>
         </p:nvCxnSpPr>
         <p:spPr>
-          <a:xfrm>
-            <a:off x="6519240" y="3969756"/>
-            <a:ext cx="720080" cy="0"/>
+          <a:xfrm flipV="1">
+            <a:off x="8743652" y="414272"/>
+            <a:ext cx="0" cy="410070"/>
           </a:xfrm>
           <a:prstGeom prst="line">
             <a:avLst/>
@@ -4602,16 +4329,171 @@
           </a:fontRef>
         </p:style>
       </p:cxnSp>
-      <p:sp>
-        <p:nvSpPr>
-          <p:cNvPr id="103" name="TextBox 102"/>
+      <p:cxnSp>
+        <p:nvCxnSpPr>
+          <p:cNvPr id="59" name="Straight Connector 58"/>
+          <p:cNvCxnSpPr/>
+          <p:nvPr/>
+        </p:nvCxnSpPr>
+        <p:spPr>
+          <a:xfrm>
+            <a:off x="4974187" y="490906"/>
+            <a:ext cx="0" cy="450783"/>
+          </a:xfrm>
+          <a:prstGeom prst="line">
+            <a:avLst/>
+          </a:prstGeom>
+          <a:ln w="19050"/>
+        </p:spPr>
+        <p:style>
+          <a:lnRef idx="1">
+            <a:schemeClr val="accent1"/>
+          </a:lnRef>
+          <a:fillRef idx="0">
+            <a:schemeClr val="accent1"/>
+          </a:fillRef>
+          <a:effectRef idx="0">
+            <a:schemeClr val="accent1"/>
+          </a:effectRef>
+          <a:fontRef idx="minor">
+            <a:schemeClr val="tx1"/>
+          </a:fontRef>
+        </p:style>
+      </p:cxnSp>
+      <p:cxnSp>
+        <p:nvCxnSpPr>
+          <p:cNvPr id="60" name="Straight Connector 59"/>
+          <p:cNvCxnSpPr/>
+          <p:nvPr/>
+        </p:nvCxnSpPr>
+        <p:spPr>
+          <a:xfrm flipV="1">
+            <a:off x="5696794" y="824342"/>
+            <a:ext cx="0" cy="157847"/>
+          </a:xfrm>
+          <a:prstGeom prst="line">
+            <a:avLst/>
+          </a:prstGeom>
+          <a:ln w="19050"/>
+        </p:spPr>
+        <p:style>
+          <a:lnRef idx="1">
+            <a:schemeClr val="accent1"/>
+          </a:lnRef>
+          <a:fillRef idx="0">
+            <a:schemeClr val="accent1"/>
+          </a:fillRef>
+          <a:effectRef idx="0">
+            <a:schemeClr val="accent1"/>
+          </a:effectRef>
+          <a:fontRef idx="minor">
+            <a:schemeClr val="tx1"/>
+          </a:fontRef>
+        </p:style>
+      </p:cxnSp>
+      <p:cxnSp>
+        <p:nvCxnSpPr>
+          <p:cNvPr id="61" name="Straight Connector 60"/>
+          <p:cNvCxnSpPr/>
+          <p:nvPr/>
+        </p:nvCxnSpPr>
+        <p:spPr>
+          <a:xfrm flipV="1">
+            <a:off x="6518791" y="829784"/>
+            <a:ext cx="449" cy="230377"/>
+          </a:xfrm>
+          <a:prstGeom prst="line">
+            <a:avLst/>
+          </a:prstGeom>
+          <a:ln w="19050"/>
+        </p:spPr>
+        <p:style>
+          <a:lnRef idx="1">
+            <a:schemeClr val="accent1"/>
+          </a:lnRef>
+          <a:fillRef idx="0">
+            <a:schemeClr val="accent1"/>
+          </a:fillRef>
+          <a:effectRef idx="0">
+            <a:schemeClr val="accent1"/>
+          </a:effectRef>
+          <a:fontRef idx="minor">
+            <a:schemeClr val="tx1"/>
+          </a:fontRef>
+        </p:style>
+      </p:cxnSp>
+      <p:cxnSp>
+        <p:nvCxnSpPr>
+          <p:cNvPr id="62" name="Straight Connector 61"/>
+          <p:cNvCxnSpPr/>
+          <p:nvPr/>
+        </p:nvCxnSpPr>
+        <p:spPr>
+          <a:xfrm flipH="1" flipV="1">
+            <a:off x="7233231" y="818223"/>
+            <a:ext cx="4949" cy="344894"/>
+          </a:xfrm>
+          <a:prstGeom prst="line">
+            <a:avLst/>
+          </a:prstGeom>
+          <a:ln w="19050"/>
+        </p:spPr>
+        <p:style>
+          <a:lnRef idx="1">
+            <a:schemeClr val="accent1"/>
+          </a:lnRef>
+          <a:fillRef idx="0">
+            <a:schemeClr val="accent1"/>
+          </a:fillRef>
+          <a:effectRef idx="0">
+            <a:schemeClr val="accent1"/>
+          </a:effectRef>
+          <a:fontRef idx="minor">
+            <a:schemeClr val="tx1"/>
+          </a:fontRef>
+        </p:style>
+      </p:cxnSp>
+      <p:cxnSp>
+        <p:nvCxnSpPr>
+          <p:cNvPr id="63" name="Straight Connector 62"/>
+          <p:cNvCxnSpPr/>
+          <p:nvPr/>
+        </p:nvCxnSpPr>
+        <p:spPr>
+          <a:xfrm flipV="1">
+            <a:off x="2411760" y="1442667"/>
+            <a:ext cx="5741960" cy="4977"/>
+          </a:xfrm>
+          <a:prstGeom prst="line">
+            <a:avLst/>
+          </a:prstGeom>
+          <a:ln w="19050"/>
+        </p:spPr>
+        <p:style>
+          <a:lnRef idx="1">
+            <a:schemeClr val="accent1"/>
+          </a:lnRef>
+          <a:fillRef idx="0">
+            <a:schemeClr val="accent1"/>
+          </a:fillRef>
+          <a:effectRef idx="0">
+            <a:schemeClr val="accent1"/>
+          </a:effectRef>
+          <a:fontRef idx="minor">
+            <a:schemeClr val="tx1"/>
+          </a:fontRef>
+        </p:style>
+      </p:cxnSp>
+      <p:sp>
+        <p:nvSpPr>
+          <p:cNvPr id="81" name="TextBox 80"/>
           <p:cNvSpPr txBox="1"/>
           <p:nvPr/>
         </p:nvSpPr>
         <p:spPr>
           <a:xfrm>
-            <a:off x="7008665" y="1699482"/>
-            <a:ext cx="1282526" cy="276999"/>
+            <a:off x="7976764" y="3766039"/>
+            <a:ext cx="687870" cy="369332"/>
           </a:xfrm>
           <a:prstGeom prst="rect">
             <a:avLst/>
@@ -4632,23 +4514,23 @@
           <a:lstStyle/>
           <a:p>
             <a:r>
-              <a:rPr lang="en-AU" sz="1200" dirty="0" smtClean="0"/>
-              <a:t>Welcome Section</a:t>
-            </a:r>
-            <a:endParaRPr lang="en-AU" sz="1200" dirty="0"/>
-          </a:p>
-        </p:txBody>
-      </p:sp>
-      <p:sp>
-        <p:nvSpPr>
-          <p:cNvPr id="105" name="TextBox 104"/>
+              <a:rPr lang="en-AU" sz="900" dirty="0" smtClean="0"/>
+              <a:t>Send Message?</a:t>
+            </a:r>
+            <a:endParaRPr lang="en-AU" sz="900" dirty="0" smtClean="0"/>
+          </a:p>
+        </p:txBody>
+      </p:sp>
+      <p:sp>
+        <p:nvSpPr>
+          <p:cNvPr id="84" name="TextBox 83"/>
           <p:cNvSpPr txBox="1"/>
           <p:nvPr/>
         </p:nvSpPr>
         <p:spPr>
           <a:xfrm>
-            <a:off x="7042680" y="3847544"/>
-            <a:ext cx="1282526" cy="276999"/>
+            <a:off x="6203172" y="951941"/>
+            <a:ext cx="655747" cy="369332"/>
           </a:xfrm>
           <a:prstGeom prst="rect">
             <a:avLst/>
@@ -4668,20 +4550,24 @@
           </a:bodyPr>
           <a:lstStyle/>
           <a:p>
-            <a:endParaRPr lang="en-AU" sz="1200" dirty="0"/>
-          </a:p>
-        </p:txBody>
-      </p:sp>
-      <p:sp>
-        <p:nvSpPr>
-          <p:cNvPr id="107" name="TextBox 106"/>
+            <a:r>
+              <a:rPr lang="en-AU" sz="900" dirty="0" smtClean="0"/>
+              <a:t>General Info</a:t>
+            </a:r>
+            <a:endParaRPr lang="en-AU" sz="900" dirty="0"/>
+          </a:p>
+        </p:txBody>
+      </p:sp>
+      <p:sp>
+        <p:nvSpPr>
+          <p:cNvPr id="85" name="TextBox 84"/>
           <p:cNvSpPr txBox="1"/>
           <p:nvPr/>
         </p:nvSpPr>
         <p:spPr>
           <a:xfrm>
-            <a:off x="7048008" y="3142956"/>
-            <a:ext cx="1282526" cy="276999"/>
+            <a:off x="6942134" y="947491"/>
+            <a:ext cx="582194" cy="369332"/>
           </a:xfrm>
           <a:prstGeom prst="rect">
             <a:avLst/>
@@ -4701,20 +4587,24 @@
           </a:bodyPr>
           <a:lstStyle/>
           <a:p>
-            <a:endParaRPr lang="en-AU" sz="1200" dirty="0"/>
-          </a:p>
-        </p:txBody>
-      </p:sp>
-      <p:sp>
-        <p:nvSpPr>
-          <p:cNvPr id="108" name="TextBox 107"/>
+            <a:r>
+              <a:rPr lang="en-AU" sz="900" dirty="0" smtClean="0"/>
+              <a:t>sponsors</a:t>
+            </a:r>
+            <a:endParaRPr lang="en-AU" sz="900" dirty="0"/>
+          </a:p>
+        </p:txBody>
+      </p:sp>
+      <p:sp>
+        <p:nvSpPr>
+          <p:cNvPr id="89" name="TextBox 88"/>
           <p:cNvSpPr txBox="1"/>
           <p:nvPr/>
         </p:nvSpPr>
         <p:spPr>
           <a:xfrm>
-            <a:off x="7023450" y="2356883"/>
-            <a:ext cx="1282526" cy="276999"/>
+            <a:off x="4657660" y="848762"/>
+            <a:ext cx="631224" cy="369332"/>
           </a:xfrm>
           <a:prstGeom prst="rect">
             <a:avLst/>
@@ -4735,29 +4625,43 @@
           <a:lstStyle/>
           <a:p>
             <a:r>
-              <a:rPr lang="en-AU" sz="1200" dirty="0" smtClean="0"/>
-              <a:t>Announcements</a:t>
-            </a:r>
-            <a:endParaRPr lang="en-AU" sz="1200" dirty="0"/>
-          </a:p>
-        </p:txBody>
-      </p:sp>
-      <p:sp>
-        <p:nvSpPr>
-          <p:cNvPr id="113" name="TextBox 112"/>
+              <a:rPr lang="en-AU" sz="900" dirty="0" smtClean="0"/>
+              <a:t>Contact info</a:t>
+            </a:r>
+            <a:endParaRPr lang="en-AU" sz="900" dirty="0"/>
+          </a:p>
+        </p:txBody>
+      </p:sp>
+      <p:sp>
+        <p:nvSpPr>
+          <p:cNvPr id="90" name="TextBox 89"/>
           <p:cNvSpPr txBox="1"/>
           <p:nvPr/>
         </p:nvSpPr>
         <p:spPr>
           <a:xfrm>
-            <a:off x="3038116" y="308425"/>
-            <a:ext cx="3440091" cy="430887"/>
+            <a:off x="4449185" y="479242"/>
+            <a:ext cx="1282526" cy="276999"/>
           </a:xfrm>
           <a:prstGeom prst="rect">
             <a:avLst/>
           </a:prstGeom>
-          <a:noFill/>
-        </p:spPr>
+          <a:ln/>
+        </p:spPr>
+        <p:style>
+          <a:lnRef idx="2">
+            <a:schemeClr val="accent3"/>
+          </a:lnRef>
+          <a:fillRef idx="1">
+            <a:schemeClr val="lt1"/>
+          </a:fillRef>
+          <a:effectRef idx="0">
+            <a:schemeClr val="accent3"/>
+          </a:effectRef>
+          <a:fontRef idx="minor">
+            <a:schemeClr val="dk1"/>
+          </a:fontRef>
+        </p:style>
         <p:txBody>
           <a:bodyPr wrap="square" rtlCol="0">
             <a:spAutoFit/>
@@ -4765,23 +4669,23 @@
           <a:lstStyle/>
           <a:p>
             <a:r>
-              <a:rPr lang="en-AU" sz="2200" u="sng" dirty="0" smtClean="0"/>
-              <a:t>Barrier Reef Orchestra</a:t>
-            </a:r>
-            <a:endParaRPr lang="en-AU" sz="2200" u="sng" dirty="0"/>
+              <a:rPr lang="en-AU" sz="1200" dirty="0" smtClean="0"/>
+              <a:t>Next Concert Info</a:t>
+            </a:r>
+            <a:endParaRPr lang="en-AU" sz="1200" dirty="0"/>
           </a:p>
         </p:txBody>
       </p:sp>
       <p:cxnSp>
         <p:nvCxnSpPr>
-          <p:cNvPr id="38" name="Straight Connector 37"/>
+          <p:cNvPr id="98" name="Straight Connector 97"/>
           <p:cNvCxnSpPr/>
           <p:nvPr/>
         </p:nvCxnSpPr>
         <p:spPr>
-          <a:xfrm>
-            <a:off x="4752796" y="4359856"/>
-            <a:ext cx="0" cy="1290896"/>
+          <a:xfrm flipV="1">
+            <a:off x="623890" y="703177"/>
+            <a:ext cx="1783802" cy="6698"/>
           </a:xfrm>
           <a:prstGeom prst="line">
             <a:avLst/>
@@ -4805,14 +4709,14 @@
       </p:cxnSp>
       <p:cxnSp>
         <p:nvCxnSpPr>
-          <p:cNvPr id="39" name="Straight Connector 38"/>
+          <p:cNvPr id="117" name="Straight Connector 116"/>
           <p:cNvCxnSpPr/>
           <p:nvPr/>
         </p:nvCxnSpPr>
         <p:spPr>
-          <a:xfrm>
-            <a:off x="4752796" y="5650752"/>
-            <a:ext cx="247836" cy="0"/>
+          <a:xfrm flipV="1">
+            <a:off x="1820008" y="2267930"/>
+            <a:ext cx="449" cy="230377"/>
           </a:xfrm>
           <a:prstGeom prst="line">
             <a:avLst/>
@@ -4836,14 +4740,14 @@
       </p:cxnSp>
       <p:cxnSp>
         <p:nvCxnSpPr>
-          <p:cNvPr id="40" name="Straight Connector 39"/>
+          <p:cNvPr id="118" name="Straight Connector 117"/>
           <p:cNvCxnSpPr/>
           <p:nvPr/>
         </p:nvCxnSpPr>
         <p:spPr>
-          <a:xfrm>
-            <a:off x="4752796" y="4966057"/>
-            <a:ext cx="247836" cy="0"/>
+          <a:xfrm flipV="1">
+            <a:off x="5454910" y="1440527"/>
+            <a:ext cx="3480" cy="206391"/>
           </a:xfrm>
           <a:prstGeom prst="line">
             <a:avLst/>
@@ -4865,16 +4769,736 @@
           </a:fontRef>
         </p:style>
       </p:cxnSp>
-      <p:sp>
-        <p:nvSpPr>
-          <p:cNvPr id="41" name="TextBox 40"/>
+      <p:cxnSp>
+        <p:nvCxnSpPr>
+          <p:cNvPr id="119" name="Straight Connector 118"/>
+          <p:cNvCxnSpPr/>
+          <p:nvPr/>
+        </p:nvCxnSpPr>
+        <p:spPr>
+          <a:xfrm flipV="1">
+            <a:off x="6834395" y="1431305"/>
+            <a:ext cx="449" cy="230377"/>
+          </a:xfrm>
+          <a:prstGeom prst="line">
+            <a:avLst/>
+          </a:prstGeom>
+          <a:ln w="19050"/>
+        </p:spPr>
+        <p:style>
+          <a:lnRef idx="1">
+            <a:schemeClr val="accent1"/>
+          </a:lnRef>
+          <a:fillRef idx="0">
+            <a:schemeClr val="accent1"/>
+          </a:fillRef>
+          <a:effectRef idx="0">
+            <a:schemeClr val="accent1"/>
+          </a:effectRef>
+          <a:fontRef idx="minor">
+            <a:schemeClr val="tx1"/>
+          </a:fontRef>
+        </p:style>
+      </p:cxnSp>
+      <p:cxnSp>
+        <p:nvCxnSpPr>
+          <p:cNvPr id="120" name="Straight Connector 119"/>
+          <p:cNvCxnSpPr/>
+          <p:nvPr/>
+        </p:nvCxnSpPr>
+        <p:spPr>
+          <a:xfrm flipV="1">
+            <a:off x="8500416" y="1076899"/>
+            <a:ext cx="449" cy="230377"/>
+          </a:xfrm>
+          <a:prstGeom prst="line">
+            <a:avLst/>
+          </a:prstGeom>
+          <a:ln w="19050"/>
+        </p:spPr>
+        <p:style>
+          <a:lnRef idx="1">
+            <a:schemeClr val="accent1"/>
+          </a:lnRef>
+          <a:fillRef idx="0">
+            <a:schemeClr val="accent1"/>
+          </a:fillRef>
+          <a:effectRef idx="0">
+            <a:schemeClr val="accent1"/>
+          </a:effectRef>
+          <a:fontRef idx="minor">
+            <a:schemeClr val="tx1"/>
+          </a:fontRef>
+        </p:style>
+      </p:cxnSp>
+      <p:cxnSp>
+        <p:nvCxnSpPr>
+          <p:cNvPr id="121" name="Straight Connector 120"/>
+          <p:cNvCxnSpPr/>
+          <p:nvPr/>
+        </p:nvCxnSpPr>
+        <p:spPr>
+          <a:xfrm flipV="1">
+            <a:off x="8678463" y="1093796"/>
+            <a:ext cx="449" cy="230377"/>
+          </a:xfrm>
+          <a:prstGeom prst="line">
+            <a:avLst/>
+          </a:prstGeom>
+          <a:ln w="19050"/>
+        </p:spPr>
+        <p:style>
+          <a:lnRef idx="1">
+            <a:schemeClr val="accent1"/>
+          </a:lnRef>
+          <a:fillRef idx="0">
+            <a:schemeClr val="accent1"/>
+          </a:fillRef>
+          <a:effectRef idx="0">
+            <a:schemeClr val="accent1"/>
+          </a:effectRef>
+          <a:fontRef idx="minor">
+            <a:schemeClr val="tx1"/>
+          </a:fontRef>
+        </p:style>
+      </p:cxnSp>
+      <p:cxnSp>
+        <p:nvCxnSpPr>
+          <p:cNvPr id="122" name="Straight Connector 121"/>
+          <p:cNvCxnSpPr/>
+          <p:nvPr/>
+        </p:nvCxnSpPr>
+        <p:spPr>
+          <a:xfrm flipV="1">
+            <a:off x="8149239" y="1439559"/>
+            <a:ext cx="449" cy="230377"/>
+          </a:xfrm>
+          <a:prstGeom prst="line">
+            <a:avLst/>
+          </a:prstGeom>
+          <a:ln w="19050"/>
+        </p:spPr>
+        <p:style>
+          <a:lnRef idx="1">
+            <a:schemeClr val="accent1"/>
+          </a:lnRef>
+          <a:fillRef idx="0">
+            <a:schemeClr val="accent1"/>
+          </a:fillRef>
+          <a:effectRef idx="0">
+            <a:schemeClr val="accent1"/>
+          </a:effectRef>
+          <a:fontRef idx="minor">
+            <a:schemeClr val="tx1"/>
+          </a:fontRef>
+        </p:style>
+      </p:cxnSp>
+      <p:cxnSp>
+        <p:nvCxnSpPr>
+          <p:cNvPr id="123" name="Straight Connector 122"/>
+          <p:cNvCxnSpPr/>
+          <p:nvPr/>
+        </p:nvCxnSpPr>
+        <p:spPr>
+          <a:xfrm flipV="1">
+            <a:off x="1828023" y="701889"/>
+            <a:ext cx="449" cy="230377"/>
+          </a:xfrm>
+          <a:prstGeom prst="line">
+            <a:avLst/>
+          </a:prstGeom>
+          <a:ln w="19050"/>
+        </p:spPr>
+        <p:style>
+          <a:lnRef idx="1">
+            <a:schemeClr val="accent1"/>
+          </a:lnRef>
+          <a:fillRef idx="0">
+            <a:schemeClr val="accent1"/>
+          </a:fillRef>
+          <a:effectRef idx="0">
+            <a:schemeClr val="accent1"/>
+          </a:effectRef>
+          <a:fontRef idx="minor">
+            <a:schemeClr val="tx1"/>
+          </a:fontRef>
+        </p:style>
+      </p:cxnSp>
+      <p:cxnSp>
+        <p:nvCxnSpPr>
+          <p:cNvPr id="124" name="Straight Connector 123"/>
+          <p:cNvCxnSpPr/>
+          <p:nvPr/>
+        </p:nvCxnSpPr>
+        <p:spPr>
+          <a:xfrm flipV="1">
+            <a:off x="628692" y="712706"/>
+            <a:ext cx="449" cy="230377"/>
+          </a:xfrm>
+          <a:prstGeom prst="line">
+            <a:avLst/>
+          </a:prstGeom>
+          <a:ln w="19050"/>
+        </p:spPr>
+        <p:style>
+          <a:lnRef idx="1">
+            <a:schemeClr val="accent1"/>
+          </a:lnRef>
+          <a:fillRef idx="0">
+            <a:schemeClr val="accent1"/>
+          </a:fillRef>
+          <a:effectRef idx="0">
+            <a:schemeClr val="accent1"/>
+          </a:effectRef>
+          <a:fontRef idx="minor">
+            <a:schemeClr val="tx1"/>
+          </a:fontRef>
+        </p:style>
+      </p:cxnSp>
+      <p:cxnSp>
+        <p:nvCxnSpPr>
+          <p:cNvPr id="125" name="Straight Connector 124"/>
+          <p:cNvCxnSpPr/>
+          <p:nvPr/>
+        </p:nvCxnSpPr>
+        <p:spPr>
+          <a:xfrm flipH="1" flipV="1">
+            <a:off x="7869891" y="1836967"/>
+            <a:ext cx="20949" cy="1683827"/>
+          </a:xfrm>
+          <a:prstGeom prst="line">
+            <a:avLst/>
+          </a:prstGeom>
+          <a:ln w="19050"/>
+        </p:spPr>
+        <p:style>
+          <a:lnRef idx="1">
+            <a:schemeClr val="accent1"/>
+          </a:lnRef>
+          <a:fillRef idx="0">
+            <a:schemeClr val="accent1"/>
+          </a:fillRef>
+          <a:effectRef idx="0">
+            <a:schemeClr val="accent1"/>
+          </a:effectRef>
+          <a:fontRef idx="minor">
+            <a:schemeClr val="tx1"/>
+          </a:fontRef>
+        </p:style>
+      </p:cxnSp>
+      <p:cxnSp>
+        <p:nvCxnSpPr>
+          <p:cNvPr id="131" name="Straight Connector 130"/>
+          <p:cNvCxnSpPr/>
+          <p:nvPr/>
+        </p:nvCxnSpPr>
+        <p:spPr>
+          <a:xfrm>
+            <a:off x="179512" y="2760822"/>
+            <a:ext cx="720080" cy="0"/>
+          </a:xfrm>
+          <a:prstGeom prst="line">
+            <a:avLst/>
+          </a:prstGeom>
+          <a:ln w="19050"/>
+        </p:spPr>
+        <p:style>
+          <a:lnRef idx="1">
+            <a:schemeClr val="accent1"/>
+          </a:lnRef>
+          <a:fillRef idx="0">
+            <a:schemeClr val="accent1"/>
+          </a:fillRef>
+          <a:effectRef idx="0">
+            <a:schemeClr val="accent1"/>
+          </a:effectRef>
+          <a:fontRef idx="minor">
+            <a:schemeClr val="tx1"/>
+          </a:fontRef>
+        </p:style>
+      </p:cxnSp>
+      <p:cxnSp>
+        <p:nvCxnSpPr>
+          <p:cNvPr id="132" name="Straight Connector 131"/>
+          <p:cNvCxnSpPr/>
+          <p:nvPr/>
+        </p:nvCxnSpPr>
+        <p:spPr>
+          <a:xfrm>
+            <a:off x="171198" y="2349601"/>
+            <a:ext cx="720080" cy="0"/>
+          </a:xfrm>
+          <a:prstGeom prst="line">
+            <a:avLst/>
+          </a:prstGeom>
+          <a:ln w="19050"/>
+        </p:spPr>
+        <p:style>
+          <a:lnRef idx="1">
+            <a:schemeClr val="accent1"/>
+          </a:lnRef>
+          <a:fillRef idx="0">
+            <a:schemeClr val="accent1"/>
+          </a:fillRef>
+          <a:effectRef idx="0">
+            <a:schemeClr val="accent1"/>
+          </a:effectRef>
+          <a:fontRef idx="minor">
+            <a:schemeClr val="tx1"/>
+          </a:fontRef>
+        </p:style>
+      </p:cxnSp>
+      <p:cxnSp>
+        <p:nvCxnSpPr>
+          <p:cNvPr id="133" name="Straight Connector 132"/>
+          <p:cNvCxnSpPr/>
+          <p:nvPr/>
+        </p:nvCxnSpPr>
+        <p:spPr>
+          <a:xfrm>
+            <a:off x="179512" y="1917400"/>
+            <a:ext cx="720080" cy="0"/>
+          </a:xfrm>
+          <a:prstGeom prst="line">
+            <a:avLst/>
+          </a:prstGeom>
+          <a:ln w="19050"/>
+        </p:spPr>
+        <p:style>
+          <a:lnRef idx="1">
+            <a:schemeClr val="accent1"/>
+          </a:lnRef>
+          <a:fillRef idx="0">
+            <a:schemeClr val="accent1"/>
+          </a:fillRef>
+          <a:effectRef idx="0">
+            <a:schemeClr val="accent1"/>
+          </a:effectRef>
+          <a:fontRef idx="minor">
+            <a:schemeClr val="tx1"/>
+          </a:fontRef>
+        </p:style>
+      </p:cxnSp>
+      <p:cxnSp>
+        <p:nvCxnSpPr>
+          <p:cNvPr id="134" name="Straight Connector 133"/>
+          <p:cNvCxnSpPr/>
+          <p:nvPr/>
+        </p:nvCxnSpPr>
+        <p:spPr>
+          <a:xfrm>
+            <a:off x="171198" y="1487489"/>
+            <a:ext cx="720080" cy="0"/>
+          </a:xfrm>
+          <a:prstGeom prst="line">
+            <a:avLst/>
+          </a:prstGeom>
+          <a:ln w="19050"/>
+        </p:spPr>
+        <p:style>
+          <a:lnRef idx="1">
+            <a:schemeClr val="accent1"/>
+          </a:lnRef>
+          <a:fillRef idx="0">
+            <a:schemeClr val="accent1"/>
+          </a:fillRef>
+          <a:effectRef idx="0">
+            <a:schemeClr val="accent1"/>
+          </a:effectRef>
+          <a:fontRef idx="minor">
+            <a:schemeClr val="tx1"/>
+          </a:fontRef>
+        </p:style>
+      </p:cxnSp>
+      <p:cxnSp>
+        <p:nvCxnSpPr>
+          <p:cNvPr id="135" name="Straight Connector 134"/>
+          <p:cNvCxnSpPr/>
+          <p:nvPr/>
+        </p:nvCxnSpPr>
+        <p:spPr>
+          <a:xfrm>
+            <a:off x="1331882" y="2109422"/>
+            <a:ext cx="720080" cy="0"/>
+          </a:xfrm>
+          <a:prstGeom prst="line">
+            <a:avLst/>
+          </a:prstGeom>
+          <a:ln w="19050"/>
+        </p:spPr>
+        <p:style>
+          <a:lnRef idx="1">
+            <a:schemeClr val="accent1"/>
+          </a:lnRef>
+          <a:fillRef idx="0">
+            <a:schemeClr val="accent1"/>
+          </a:fillRef>
+          <a:effectRef idx="0">
+            <a:schemeClr val="accent1"/>
+          </a:effectRef>
+          <a:fontRef idx="minor">
+            <a:schemeClr val="tx1"/>
+          </a:fontRef>
+        </p:style>
+      </p:cxnSp>
+      <p:cxnSp>
+        <p:nvCxnSpPr>
+          <p:cNvPr id="136" name="Straight Connector 135"/>
+          <p:cNvCxnSpPr/>
+          <p:nvPr/>
+        </p:nvCxnSpPr>
+        <p:spPr>
+          <a:xfrm>
+            <a:off x="1328686" y="1529543"/>
+            <a:ext cx="720080" cy="0"/>
+          </a:xfrm>
+          <a:prstGeom prst="line">
+            <a:avLst/>
+          </a:prstGeom>
+          <a:ln w="19050"/>
+        </p:spPr>
+        <p:style>
+          <a:lnRef idx="1">
+            <a:schemeClr val="accent1"/>
+          </a:lnRef>
+          <a:fillRef idx="0">
+            <a:schemeClr val="accent1"/>
+          </a:fillRef>
+          <a:effectRef idx="0">
+            <a:schemeClr val="accent1"/>
+          </a:effectRef>
+          <a:fontRef idx="minor">
+            <a:schemeClr val="tx1"/>
+          </a:fontRef>
+        </p:style>
+      </p:cxnSp>
+      <p:sp>
+        <p:nvSpPr>
+          <p:cNvPr id="139" name="TextBox 138"/>
           <p:cNvSpPr txBox="1"/>
           <p:nvPr/>
         </p:nvSpPr>
         <p:spPr>
           <a:xfrm>
-            <a:off x="4949643" y="4735224"/>
-            <a:ext cx="1071736" cy="461665"/>
+            <a:off x="7535946" y="1521428"/>
+            <a:ext cx="1226585" cy="369332"/>
+          </a:xfrm>
+          <a:prstGeom prst="rect">
+            <a:avLst/>
+          </a:prstGeom>
+          <a:solidFill>
+            <a:srgbClr val="00B050"/>
+          </a:solidFill>
+          <a:ln>
+            <a:solidFill>
+              <a:schemeClr val="tx1"/>
+            </a:solidFill>
+          </a:ln>
+        </p:spPr>
+        <p:txBody>
+          <a:bodyPr wrap="square" rtlCol="0">
+            <a:spAutoFit/>
+          </a:bodyPr>
+          <a:lstStyle/>
+          <a:p>
+            <a:r>
+              <a:rPr lang="en-AU" dirty="0" smtClean="0"/>
+              <a:t>Contact Us</a:t>
+            </a:r>
+            <a:endParaRPr lang="en-AU" dirty="0"/>
+          </a:p>
+        </p:txBody>
+      </p:sp>
+      <p:sp>
+        <p:nvSpPr>
+          <p:cNvPr id="140" name="TextBox 139"/>
+          <p:cNvSpPr txBox="1"/>
+          <p:nvPr/>
+        </p:nvSpPr>
+        <p:spPr>
+          <a:xfrm>
+            <a:off x="6199132" y="1529543"/>
+            <a:ext cx="1218493" cy="369332"/>
+          </a:xfrm>
+          <a:prstGeom prst="rect">
+            <a:avLst/>
+          </a:prstGeom>
+          <a:solidFill>
+            <a:srgbClr val="00B050"/>
+          </a:solidFill>
+          <a:ln>
+            <a:solidFill>
+              <a:schemeClr val="tx1"/>
+            </a:solidFill>
+          </a:ln>
+        </p:spPr>
+        <p:txBody>
+          <a:bodyPr wrap="square" rtlCol="0">
+            <a:spAutoFit/>
+          </a:bodyPr>
+          <a:lstStyle/>
+          <a:p>
+            <a:r>
+              <a:rPr lang="en-AU" dirty="0" smtClean="0"/>
+              <a:t>Supporters</a:t>
+            </a:r>
+            <a:endParaRPr lang="en-AU" dirty="0"/>
+          </a:p>
+        </p:txBody>
+      </p:sp>
+      <p:sp>
+        <p:nvSpPr>
+          <p:cNvPr id="141" name="TextBox 140"/>
+          <p:cNvSpPr txBox="1"/>
+          <p:nvPr/>
+        </p:nvSpPr>
+        <p:spPr>
+          <a:xfrm>
+            <a:off x="4874995" y="1532174"/>
+            <a:ext cx="1230952" cy="369332"/>
+          </a:xfrm>
+          <a:prstGeom prst="rect">
+            <a:avLst/>
+          </a:prstGeom>
+          <a:solidFill>
+            <a:srgbClr val="00B050"/>
+          </a:solidFill>
+          <a:ln>
+            <a:solidFill>
+              <a:schemeClr val="tx1"/>
+            </a:solidFill>
+          </a:ln>
+        </p:spPr>
+        <p:txBody>
+          <a:bodyPr wrap="square" rtlCol="0">
+            <a:spAutoFit/>
+          </a:bodyPr>
+          <a:lstStyle/>
+          <a:p>
+            <a:r>
+              <a:rPr lang="en-AU" dirty="0" smtClean="0"/>
+              <a:t>News Feed</a:t>
+            </a:r>
+            <a:endParaRPr lang="en-AU" dirty="0"/>
+          </a:p>
+        </p:txBody>
+      </p:sp>
+      <p:sp>
+        <p:nvSpPr>
+          <p:cNvPr id="142" name="TextBox 141"/>
+          <p:cNvSpPr txBox="1"/>
+          <p:nvPr/>
+        </p:nvSpPr>
+        <p:spPr>
+          <a:xfrm>
+            <a:off x="179473" y="3117776"/>
+            <a:ext cx="1071736" cy="646331"/>
+          </a:xfrm>
+          <a:prstGeom prst="rect">
+            <a:avLst/>
+          </a:prstGeom>
+          <a:solidFill>
+            <a:schemeClr val="accent3">
+              <a:lumMod val="40000"/>
+              <a:lumOff val="60000"/>
+            </a:schemeClr>
+          </a:solidFill>
+          <a:ln>
+            <a:solidFill>
+              <a:schemeClr val="tx1"/>
+            </a:solidFill>
+          </a:ln>
+        </p:spPr>
+        <p:txBody>
+          <a:bodyPr wrap="square" rtlCol="0">
+            <a:spAutoFit/>
+          </a:bodyPr>
+          <a:lstStyle/>
+          <a:p>
+            <a:r>
+              <a:rPr lang="en-AU" dirty="0" smtClean="0">
+                <a:solidFill>
+                  <a:schemeClr val="bg1"/>
+                </a:solidFill>
+              </a:rPr>
+              <a:t>Our People</a:t>
+            </a:r>
+            <a:endParaRPr lang="en-AU" dirty="0">
+              <a:solidFill>
+                <a:schemeClr val="bg1"/>
+              </a:solidFill>
+            </a:endParaRPr>
+          </a:p>
+        </p:txBody>
+      </p:sp>
+      <p:sp>
+        <p:nvSpPr>
+          <p:cNvPr id="144" name="TextBox 143"/>
+          <p:cNvSpPr txBox="1"/>
+          <p:nvPr/>
+        </p:nvSpPr>
+        <p:spPr>
+          <a:xfrm>
+            <a:off x="1244789" y="855903"/>
+            <a:ext cx="1071736" cy="369332"/>
+          </a:xfrm>
+          <a:prstGeom prst="rect">
+            <a:avLst/>
+          </a:prstGeom>
+          <a:solidFill>
+            <a:srgbClr val="00B050"/>
+          </a:solidFill>
+          <a:ln>
+            <a:solidFill>
+              <a:schemeClr val="tx1"/>
+            </a:solidFill>
+          </a:ln>
+        </p:spPr>
+        <p:txBody>
+          <a:bodyPr wrap="square" rtlCol="0">
+            <a:spAutoFit/>
+          </a:bodyPr>
+          <a:lstStyle/>
+          <a:p>
+            <a:r>
+              <a:rPr lang="en-AU" dirty="0" smtClean="0"/>
+              <a:t>Concerts</a:t>
+            </a:r>
+            <a:endParaRPr lang="en-AU" dirty="0"/>
+          </a:p>
+        </p:txBody>
+      </p:sp>
+      <p:sp>
+        <p:nvSpPr>
+          <p:cNvPr id="145" name="TextBox 144"/>
+          <p:cNvSpPr txBox="1"/>
+          <p:nvPr/>
+        </p:nvSpPr>
+        <p:spPr>
+          <a:xfrm>
+            <a:off x="109177" y="852547"/>
+            <a:ext cx="1071736" cy="369332"/>
+          </a:xfrm>
+          <a:prstGeom prst="rect">
+            <a:avLst/>
+          </a:prstGeom>
+          <a:solidFill>
+            <a:srgbClr val="00B050"/>
+          </a:solidFill>
+          <a:ln>
+            <a:solidFill>
+              <a:schemeClr val="tx1"/>
+            </a:solidFill>
+          </a:ln>
+        </p:spPr>
+        <p:txBody>
+          <a:bodyPr wrap="square" rtlCol="0">
+            <a:spAutoFit/>
+          </a:bodyPr>
+          <a:lstStyle/>
+          <a:p>
+            <a:r>
+              <a:rPr lang="en-AU" dirty="0" smtClean="0"/>
+              <a:t>About us</a:t>
+            </a:r>
+            <a:endParaRPr lang="en-AU" dirty="0"/>
+          </a:p>
+        </p:txBody>
+      </p:sp>
+      <p:sp>
+        <p:nvSpPr>
+          <p:cNvPr id="146" name="TextBox 145"/>
+          <p:cNvSpPr txBox="1"/>
+          <p:nvPr/>
+        </p:nvSpPr>
+        <p:spPr>
+          <a:xfrm>
+            <a:off x="1275853" y="2359675"/>
+            <a:ext cx="1287018" cy="369332"/>
+          </a:xfrm>
+          <a:prstGeom prst="rect">
+            <a:avLst/>
+          </a:prstGeom>
+          <a:solidFill>
+            <a:schemeClr val="accent3">
+              <a:lumMod val="40000"/>
+              <a:lumOff val="60000"/>
+            </a:schemeClr>
+          </a:solidFill>
+          <a:ln>
+            <a:solidFill>
+              <a:schemeClr val="tx1"/>
+            </a:solidFill>
+          </a:ln>
+        </p:spPr>
+        <p:txBody>
+          <a:bodyPr wrap="square" rtlCol="0">
+            <a:spAutoFit/>
+          </a:bodyPr>
+          <a:lstStyle/>
+          <a:p>
+            <a:r>
+              <a:rPr lang="en-AU" dirty="0" smtClean="0">
+                <a:solidFill>
+                  <a:schemeClr val="bg1"/>
+                </a:solidFill>
+              </a:rPr>
+              <a:t>Repertoire</a:t>
+            </a:r>
+            <a:endParaRPr lang="en-AU" dirty="0">
+              <a:solidFill>
+                <a:schemeClr val="bg1"/>
+              </a:solidFill>
+            </a:endParaRPr>
+          </a:p>
+        </p:txBody>
+      </p:sp>
+      <p:cxnSp>
+        <p:nvCxnSpPr>
+          <p:cNvPr id="149" name="Straight Arrow Connector 148"/>
+          <p:cNvCxnSpPr>
+            <a:stCxn id="91" idx="2"/>
+          </p:cNvCxnSpPr>
+          <p:nvPr/>
+        </p:nvCxnSpPr>
+        <p:spPr>
+          <a:xfrm>
+            <a:off x="3574115" y="669955"/>
+            <a:ext cx="10114" cy="761350"/>
+          </a:xfrm>
+          <a:prstGeom prst="straightConnector1">
+            <a:avLst/>
+          </a:prstGeom>
+          <a:ln w="19050">
+            <a:headEnd type="triangle"/>
+            <a:tailEnd type="triangle"/>
+          </a:ln>
+        </p:spPr>
+        <p:style>
+          <a:lnRef idx="1">
+            <a:schemeClr val="accent1"/>
+          </a:lnRef>
+          <a:fillRef idx="0">
+            <a:schemeClr val="accent1"/>
+          </a:fillRef>
+          <a:effectRef idx="0">
+            <a:schemeClr val="accent1"/>
+          </a:effectRef>
+          <a:fontRef idx="minor">
+            <a:schemeClr val="tx1"/>
+          </a:fontRef>
+        </p:style>
+      </p:cxnSp>
+      <p:sp>
+        <p:nvSpPr>
+          <p:cNvPr id="159" name="TextBox 158"/>
+          <p:cNvSpPr txBox="1"/>
+          <p:nvPr/>
+        </p:nvSpPr>
+        <p:spPr>
+          <a:xfrm>
+            <a:off x="281003" y="1304298"/>
+            <a:ext cx="631224" cy="230832"/>
           </a:xfrm>
           <a:prstGeom prst="rect">
             <a:avLst/>
@@ -4895,23 +5519,23 @@
           <a:lstStyle/>
           <a:p>
             <a:r>
-              <a:rPr lang="en-AU" sz="1200" dirty="0" smtClean="0"/>
-              <a:t>Member sign Up</a:t>
-            </a:r>
-            <a:endParaRPr lang="en-AU" sz="1200" dirty="0"/>
-          </a:p>
-        </p:txBody>
-      </p:sp>
-      <p:sp>
-        <p:nvSpPr>
-          <p:cNvPr id="42" name="TextBox 41"/>
+              <a:rPr lang="en-AU" sz="900" dirty="0" smtClean="0"/>
+              <a:t>Join</a:t>
+            </a:r>
+            <a:endParaRPr lang="en-AU" sz="900" dirty="0"/>
+          </a:p>
+        </p:txBody>
+      </p:sp>
+      <p:sp>
+        <p:nvSpPr>
+          <p:cNvPr id="160" name="TextBox 159"/>
           <p:cNvSpPr txBox="1"/>
           <p:nvPr/>
         </p:nvSpPr>
         <p:spPr>
           <a:xfrm>
-            <a:off x="4949643" y="5408368"/>
-            <a:ext cx="1071736" cy="276999"/>
+            <a:off x="281965" y="1732734"/>
+            <a:ext cx="631224" cy="230832"/>
           </a:xfrm>
           <a:prstGeom prst="rect">
             <a:avLst/>
@@ -4932,13 +5556,1898 @@
           <a:lstStyle/>
           <a:p>
             <a:r>
-              <a:rPr lang="en-AU" sz="1200" smtClean="0"/>
-              <a:t>Sponsor Page </a:t>
-            </a:r>
-            <a:endParaRPr lang="en-AU" sz="1200" dirty="0"/>
-          </a:p>
-        </p:txBody>
-      </p:sp>
+              <a:rPr lang="en-AU" sz="900" dirty="0" smtClean="0"/>
+              <a:t>Info</a:t>
+            </a:r>
+            <a:endParaRPr lang="en-AU" sz="900" dirty="0"/>
+          </a:p>
+        </p:txBody>
+      </p:sp>
+      <p:sp>
+        <p:nvSpPr>
+          <p:cNvPr id="161" name="TextBox 160"/>
+          <p:cNvSpPr txBox="1"/>
+          <p:nvPr/>
+        </p:nvSpPr>
+        <p:spPr>
+          <a:xfrm>
+            <a:off x="278907" y="2164935"/>
+            <a:ext cx="631224" cy="230832"/>
+          </a:xfrm>
+          <a:prstGeom prst="rect">
+            <a:avLst/>
+          </a:prstGeom>
+          <a:solidFill>
+            <a:schemeClr val="bg1"/>
+          </a:solidFill>
+          <a:ln>
+            <a:solidFill>
+              <a:srgbClr val="C00000"/>
+            </a:solidFill>
+          </a:ln>
+        </p:spPr>
+        <p:txBody>
+          <a:bodyPr wrap="square" rtlCol="0">
+            <a:spAutoFit/>
+          </a:bodyPr>
+          <a:lstStyle/>
+          <a:p>
+            <a:r>
+              <a:rPr lang="en-AU" sz="900" dirty="0" err="1" smtClean="0"/>
+              <a:t>VIdeo</a:t>
+            </a:r>
+            <a:endParaRPr lang="en-AU" sz="900" dirty="0"/>
+          </a:p>
+        </p:txBody>
+      </p:sp>
+      <p:sp>
+        <p:nvSpPr>
+          <p:cNvPr id="162" name="TextBox 161"/>
+          <p:cNvSpPr txBox="1"/>
+          <p:nvPr/>
+        </p:nvSpPr>
+        <p:spPr>
+          <a:xfrm>
+            <a:off x="1480725" y="1932221"/>
+            <a:ext cx="631224" cy="369332"/>
+          </a:xfrm>
+          <a:prstGeom prst="rect">
+            <a:avLst/>
+          </a:prstGeom>
+          <a:solidFill>
+            <a:schemeClr val="bg1"/>
+          </a:solidFill>
+          <a:ln>
+            <a:solidFill>
+              <a:srgbClr val="C00000"/>
+            </a:solidFill>
+          </a:ln>
+        </p:spPr>
+        <p:txBody>
+          <a:bodyPr wrap="square" rtlCol="0">
+            <a:spAutoFit/>
+          </a:bodyPr>
+          <a:lstStyle/>
+          <a:p>
+            <a:r>
+              <a:rPr lang="en-AU" sz="900" dirty="0" smtClean="0"/>
+              <a:t>Previous concert</a:t>
+            </a:r>
+            <a:endParaRPr lang="en-AU" sz="900" dirty="0"/>
+          </a:p>
+        </p:txBody>
+      </p:sp>
+      <p:sp>
+        <p:nvSpPr>
+          <p:cNvPr id="165" name="TextBox 164"/>
+          <p:cNvSpPr txBox="1"/>
+          <p:nvPr/>
+        </p:nvSpPr>
+        <p:spPr>
+          <a:xfrm>
+            <a:off x="278071" y="2576156"/>
+            <a:ext cx="758138" cy="507831"/>
+          </a:xfrm>
+          <a:prstGeom prst="rect">
+            <a:avLst/>
+          </a:prstGeom>
+          <a:solidFill>
+            <a:schemeClr val="bg1"/>
+          </a:solidFill>
+          <a:ln>
+            <a:solidFill>
+              <a:srgbClr val="C00000"/>
+            </a:solidFill>
+          </a:ln>
+        </p:spPr>
+        <p:txBody>
+          <a:bodyPr wrap="square" rtlCol="0">
+            <a:spAutoFit/>
+          </a:bodyPr>
+          <a:lstStyle/>
+          <a:p>
+            <a:r>
+              <a:rPr lang="en-AU" sz="900" dirty="0" smtClean="0"/>
+              <a:t>Expanding info/history; 2003-2015</a:t>
+            </a:r>
+            <a:endParaRPr lang="en-AU" sz="900" dirty="0"/>
+          </a:p>
+        </p:txBody>
+      </p:sp>
+      <p:sp>
+        <p:nvSpPr>
+          <p:cNvPr id="167" name="TextBox 166"/>
+          <p:cNvSpPr txBox="1"/>
+          <p:nvPr/>
+        </p:nvSpPr>
+        <p:spPr>
+          <a:xfrm>
+            <a:off x="1480725" y="1338893"/>
+            <a:ext cx="631224" cy="507831"/>
+          </a:xfrm>
+          <a:prstGeom prst="rect">
+            <a:avLst/>
+          </a:prstGeom>
+          <a:solidFill>
+            <a:schemeClr val="bg1"/>
+          </a:solidFill>
+          <a:ln>
+            <a:solidFill>
+              <a:srgbClr val="C00000"/>
+            </a:solidFill>
+          </a:ln>
+        </p:spPr>
+        <p:txBody>
+          <a:bodyPr wrap="square" rtlCol="0">
+            <a:spAutoFit/>
+          </a:bodyPr>
+          <a:lstStyle/>
+          <a:p>
+            <a:r>
+              <a:rPr lang="en-AU" sz="900" dirty="0" smtClean="0"/>
+              <a:t>All Concert Flyers</a:t>
+            </a:r>
+            <a:endParaRPr lang="en-AU" sz="900" dirty="0"/>
+          </a:p>
+        </p:txBody>
+      </p:sp>
+      <p:cxnSp>
+        <p:nvCxnSpPr>
+          <p:cNvPr id="174" name="Straight Connector 173"/>
+          <p:cNvCxnSpPr/>
+          <p:nvPr/>
+        </p:nvCxnSpPr>
+        <p:spPr>
+          <a:xfrm>
+            <a:off x="1415026" y="2727859"/>
+            <a:ext cx="0" cy="1551838"/>
+          </a:xfrm>
+          <a:prstGeom prst="line">
+            <a:avLst/>
+          </a:prstGeom>
+          <a:ln w="19050"/>
+        </p:spPr>
+        <p:style>
+          <a:lnRef idx="1">
+            <a:schemeClr val="accent1"/>
+          </a:lnRef>
+          <a:fillRef idx="0">
+            <a:schemeClr val="accent1"/>
+          </a:fillRef>
+          <a:effectRef idx="0">
+            <a:schemeClr val="accent1"/>
+          </a:effectRef>
+          <a:fontRef idx="minor">
+            <a:schemeClr val="tx1"/>
+          </a:fontRef>
+        </p:style>
+      </p:cxnSp>
+      <p:cxnSp>
+        <p:nvCxnSpPr>
+          <p:cNvPr id="177" name="Straight Connector 176"/>
+          <p:cNvCxnSpPr/>
+          <p:nvPr/>
+        </p:nvCxnSpPr>
+        <p:spPr>
+          <a:xfrm>
+            <a:off x="1415026" y="4279697"/>
+            <a:ext cx="720080" cy="0"/>
+          </a:xfrm>
+          <a:prstGeom prst="line">
+            <a:avLst/>
+          </a:prstGeom>
+          <a:ln w="19050"/>
+        </p:spPr>
+        <p:style>
+          <a:lnRef idx="1">
+            <a:schemeClr val="accent1"/>
+          </a:lnRef>
+          <a:fillRef idx="0">
+            <a:schemeClr val="accent1"/>
+          </a:fillRef>
+          <a:effectRef idx="0">
+            <a:schemeClr val="accent1"/>
+          </a:effectRef>
+          <a:fontRef idx="minor">
+            <a:schemeClr val="tx1"/>
+          </a:fontRef>
+        </p:style>
+      </p:cxnSp>
+      <p:cxnSp>
+        <p:nvCxnSpPr>
+          <p:cNvPr id="178" name="Straight Connector 177"/>
+          <p:cNvCxnSpPr/>
+          <p:nvPr/>
+        </p:nvCxnSpPr>
+        <p:spPr>
+          <a:xfrm>
+            <a:off x="1406712" y="3868476"/>
+            <a:ext cx="720080" cy="0"/>
+          </a:xfrm>
+          <a:prstGeom prst="line">
+            <a:avLst/>
+          </a:prstGeom>
+          <a:ln w="19050"/>
+        </p:spPr>
+        <p:style>
+          <a:lnRef idx="1">
+            <a:schemeClr val="accent1"/>
+          </a:lnRef>
+          <a:fillRef idx="0">
+            <a:schemeClr val="accent1"/>
+          </a:fillRef>
+          <a:effectRef idx="0">
+            <a:schemeClr val="accent1"/>
+          </a:effectRef>
+          <a:fontRef idx="minor">
+            <a:schemeClr val="tx1"/>
+          </a:fontRef>
+        </p:style>
+      </p:cxnSp>
+      <p:cxnSp>
+        <p:nvCxnSpPr>
+          <p:cNvPr id="179" name="Straight Connector 178"/>
+          <p:cNvCxnSpPr/>
+          <p:nvPr/>
+        </p:nvCxnSpPr>
+        <p:spPr>
+          <a:xfrm>
+            <a:off x="1415026" y="3436275"/>
+            <a:ext cx="720080" cy="0"/>
+          </a:xfrm>
+          <a:prstGeom prst="line">
+            <a:avLst/>
+          </a:prstGeom>
+          <a:ln w="19050"/>
+        </p:spPr>
+        <p:style>
+          <a:lnRef idx="1">
+            <a:schemeClr val="accent1"/>
+          </a:lnRef>
+          <a:fillRef idx="0">
+            <a:schemeClr val="accent1"/>
+          </a:fillRef>
+          <a:effectRef idx="0">
+            <a:schemeClr val="accent1"/>
+          </a:effectRef>
+          <a:fontRef idx="minor">
+            <a:schemeClr val="tx1"/>
+          </a:fontRef>
+        </p:style>
+      </p:cxnSp>
+      <p:cxnSp>
+        <p:nvCxnSpPr>
+          <p:cNvPr id="180" name="Straight Connector 179"/>
+          <p:cNvCxnSpPr/>
+          <p:nvPr/>
+        </p:nvCxnSpPr>
+        <p:spPr>
+          <a:xfrm>
+            <a:off x="1406712" y="3006364"/>
+            <a:ext cx="720080" cy="0"/>
+          </a:xfrm>
+          <a:prstGeom prst="line">
+            <a:avLst/>
+          </a:prstGeom>
+          <a:ln w="19050"/>
+        </p:spPr>
+        <p:style>
+          <a:lnRef idx="1">
+            <a:schemeClr val="accent1"/>
+          </a:lnRef>
+          <a:fillRef idx="0">
+            <a:schemeClr val="accent1"/>
+          </a:fillRef>
+          <a:effectRef idx="0">
+            <a:schemeClr val="accent1"/>
+          </a:effectRef>
+          <a:fontRef idx="minor">
+            <a:schemeClr val="tx1"/>
+          </a:fontRef>
+        </p:style>
+      </p:cxnSp>
+      <p:sp>
+        <p:nvSpPr>
+          <p:cNvPr id="181" name="TextBox 180"/>
+          <p:cNvSpPr txBox="1"/>
+          <p:nvPr/>
+        </p:nvSpPr>
+        <p:spPr>
+          <a:xfrm>
+            <a:off x="1516517" y="2823173"/>
+            <a:ext cx="631224" cy="230832"/>
+          </a:xfrm>
+          <a:prstGeom prst="rect">
+            <a:avLst/>
+          </a:prstGeom>
+          <a:solidFill>
+            <a:schemeClr val="bg1"/>
+          </a:solidFill>
+          <a:ln>
+            <a:solidFill>
+              <a:srgbClr val="C00000"/>
+            </a:solidFill>
+          </a:ln>
+        </p:spPr>
+        <p:txBody>
+          <a:bodyPr wrap="square" rtlCol="0">
+            <a:spAutoFit/>
+          </a:bodyPr>
+          <a:lstStyle/>
+          <a:p>
+            <a:r>
+              <a:rPr lang="en-AU" sz="900" dirty="0" smtClean="0"/>
+              <a:t>2017</a:t>
+            </a:r>
+            <a:endParaRPr lang="en-AU" sz="900" dirty="0"/>
+          </a:p>
+        </p:txBody>
+      </p:sp>
+      <p:sp>
+        <p:nvSpPr>
+          <p:cNvPr id="182" name="TextBox 181"/>
+          <p:cNvSpPr txBox="1"/>
+          <p:nvPr/>
+        </p:nvSpPr>
+        <p:spPr>
+          <a:xfrm>
+            <a:off x="1513584" y="3291533"/>
+            <a:ext cx="777135" cy="230832"/>
+          </a:xfrm>
+          <a:prstGeom prst="rect">
+            <a:avLst/>
+          </a:prstGeom>
+          <a:solidFill>
+            <a:schemeClr val="bg1"/>
+          </a:solidFill>
+          <a:ln>
+            <a:solidFill>
+              <a:srgbClr val="C00000"/>
+            </a:solidFill>
+          </a:ln>
+        </p:spPr>
+        <p:txBody>
+          <a:bodyPr wrap="square" rtlCol="0">
+            <a:spAutoFit/>
+          </a:bodyPr>
+          <a:lstStyle/>
+          <a:p>
+            <a:r>
+              <a:rPr lang="en-AU" sz="900" dirty="0" smtClean="0"/>
+              <a:t>2015 - 2003</a:t>
+            </a:r>
+            <a:endParaRPr lang="en-AU" sz="900" dirty="0"/>
+          </a:p>
+        </p:txBody>
+      </p:sp>
+      <p:sp>
+        <p:nvSpPr>
+          <p:cNvPr id="183" name="TextBox 182"/>
+          <p:cNvSpPr txBox="1"/>
+          <p:nvPr/>
+        </p:nvSpPr>
+        <p:spPr>
+          <a:xfrm>
+            <a:off x="1514421" y="3683810"/>
+            <a:ext cx="788652" cy="369332"/>
+          </a:xfrm>
+          <a:prstGeom prst="rect">
+            <a:avLst/>
+          </a:prstGeom>
+          <a:solidFill>
+            <a:schemeClr val="bg1"/>
+          </a:solidFill>
+          <a:ln>
+            <a:solidFill>
+              <a:srgbClr val="C00000"/>
+            </a:solidFill>
+          </a:ln>
+        </p:spPr>
+        <p:txBody>
+          <a:bodyPr wrap="square" rtlCol="0">
+            <a:spAutoFit/>
+          </a:bodyPr>
+          <a:lstStyle/>
+          <a:p>
+            <a:r>
+              <a:rPr lang="en-AU" sz="900" dirty="0" smtClean="0"/>
+              <a:t>Download Programs</a:t>
+            </a:r>
+            <a:endParaRPr lang="en-AU" sz="900" dirty="0"/>
+          </a:p>
+        </p:txBody>
+      </p:sp>
+      <p:sp>
+        <p:nvSpPr>
+          <p:cNvPr id="185" name="TextBox 184"/>
+          <p:cNvSpPr txBox="1"/>
+          <p:nvPr/>
+        </p:nvSpPr>
+        <p:spPr>
+          <a:xfrm>
+            <a:off x="1513585" y="4095031"/>
+            <a:ext cx="631224" cy="230832"/>
+          </a:xfrm>
+          <a:prstGeom prst="rect">
+            <a:avLst/>
+          </a:prstGeom>
+          <a:solidFill>
+            <a:schemeClr val="bg1"/>
+          </a:solidFill>
+          <a:ln>
+            <a:solidFill>
+              <a:srgbClr val="C00000"/>
+            </a:solidFill>
+          </a:ln>
+        </p:spPr>
+        <p:txBody>
+          <a:bodyPr wrap="square" rtlCol="0">
+            <a:spAutoFit/>
+          </a:bodyPr>
+          <a:lstStyle/>
+          <a:p>
+            <a:r>
+              <a:rPr lang="en-AU" sz="900" dirty="0" smtClean="0"/>
+              <a:t>PDF</a:t>
+            </a:r>
+            <a:endParaRPr lang="en-AU" sz="900" dirty="0"/>
+          </a:p>
+        </p:txBody>
+      </p:sp>
+      <p:cxnSp>
+        <p:nvCxnSpPr>
+          <p:cNvPr id="201" name="Straight Connector 200"/>
+          <p:cNvCxnSpPr/>
+          <p:nvPr/>
+        </p:nvCxnSpPr>
+        <p:spPr>
+          <a:xfrm>
+            <a:off x="307376" y="5891579"/>
+            <a:ext cx="247836" cy="0"/>
+          </a:xfrm>
+          <a:prstGeom prst="line">
+            <a:avLst/>
+          </a:prstGeom>
+          <a:ln w="19050"/>
+        </p:spPr>
+        <p:style>
+          <a:lnRef idx="1">
+            <a:schemeClr val="accent1"/>
+          </a:lnRef>
+          <a:fillRef idx="0">
+            <a:schemeClr val="accent1"/>
+          </a:fillRef>
+          <a:effectRef idx="0">
+            <a:schemeClr val="accent1"/>
+          </a:effectRef>
+          <a:fontRef idx="minor">
+            <a:schemeClr val="tx1"/>
+          </a:fontRef>
+        </p:style>
+      </p:cxnSp>
+      <p:cxnSp>
+        <p:nvCxnSpPr>
+          <p:cNvPr id="202" name="Straight Connector 201"/>
+          <p:cNvCxnSpPr/>
+          <p:nvPr/>
+        </p:nvCxnSpPr>
+        <p:spPr>
+          <a:xfrm>
+            <a:off x="307377" y="5507731"/>
+            <a:ext cx="720080" cy="0"/>
+          </a:xfrm>
+          <a:prstGeom prst="line">
+            <a:avLst/>
+          </a:prstGeom>
+          <a:ln w="19050"/>
+        </p:spPr>
+        <p:style>
+          <a:lnRef idx="1">
+            <a:schemeClr val="accent1"/>
+          </a:lnRef>
+          <a:fillRef idx="0">
+            <a:schemeClr val="accent1"/>
+          </a:fillRef>
+          <a:effectRef idx="0">
+            <a:schemeClr val="accent1"/>
+          </a:effectRef>
+          <a:fontRef idx="minor">
+            <a:schemeClr val="tx1"/>
+          </a:fontRef>
+        </p:style>
+      </p:cxnSp>
+      <p:cxnSp>
+        <p:nvCxnSpPr>
+          <p:cNvPr id="203" name="Straight Connector 202"/>
+          <p:cNvCxnSpPr/>
+          <p:nvPr/>
+        </p:nvCxnSpPr>
+        <p:spPr>
+          <a:xfrm>
+            <a:off x="307376" y="5037896"/>
+            <a:ext cx="720080" cy="0"/>
+          </a:xfrm>
+          <a:prstGeom prst="line">
+            <a:avLst/>
+          </a:prstGeom>
+          <a:ln w="19050"/>
+        </p:spPr>
+        <p:style>
+          <a:lnRef idx="1">
+            <a:schemeClr val="accent1"/>
+          </a:lnRef>
+          <a:fillRef idx="0">
+            <a:schemeClr val="accent1"/>
+          </a:fillRef>
+          <a:effectRef idx="0">
+            <a:schemeClr val="accent1"/>
+          </a:effectRef>
+          <a:fontRef idx="minor">
+            <a:schemeClr val="tx1"/>
+          </a:fontRef>
+        </p:style>
+      </p:cxnSp>
+      <p:cxnSp>
+        <p:nvCxnSpPr>
+          <p:cNvPr id="204" name="Straight Connector 203"/>
+          <p:cNvCxnSpPr/>
+          <p:nvPr/>
+        </p:nvCxnSpPr>
+        <p:spPr>
+          <a:xfrm>
+            <a:off x="299062" y="4626675"/>
+            <a:ext cx="720080" cy="0"/>
+          </a:xfrm>
+          <a:prstGeom prst="line">
+            <a:avLst/>
+          </a:prstGeom>
+          <a:ln w="19050"/>
+        </p:spPr>
+        <p:style>
+          <a:lnRef idx="1">
+            <a:schemeClr val="accent1"/>
+          </a:lnRef>
+          <a:fillRef idx="0">
+            <a:schemeClr val="accent1"/>
+          </a:fillRef>
+          <a:effectRef idx="0">
+            <a:schemeClr val="accent1"/>
+          </a:effectRef>
+          <a:fontRef idx="minor">
+            <a:schemeClr val="tx1"/>
+          </a:fontRef>
+        </p:style>
+      </p:cxnSp>
+      <p:cxnSp>
+        <p:nvCxnSpPr>
+          <p:cNvPr id="205" name="Straight Connector 204"/>
+          <p:cNvCxnSpPr/>
+          <p:nvPr/>
+        </p:nvCxnSpPr>
+        <p:spPr>
+          <a:xfrm>
+            <a:off x="307376" y="4194474"/>
+            <a:ext cx="720080" cy="0"/>
+          </a:xfrm>
+          <a:prstGeom prst="line">
+            <a:avLst/>
+          </a:prstGeom>
+          <a:ln w="19050"/>
+        </p:spPr>
+        <p:style>
+          <a:lnRef idx="1">
+            <a:schemeClr val="accent1"/>
+          </a:lnRef>
+          <a:fillRef idx="0">
+            <a:schemeClr val="accent1"/>
+          </a:fillRef>
+          <a:effectRef idx="0">
+            <a:schemeClr val="accent1"/>
+          </a:effectRef>
+          <a:fontRef idx="minor">
+            <a:schemeClr val="tx1"/>
+          </a:fontRef>
+        </p:style>
+      </p:cxnSp>
+      <p:cxnSp>
+        <p:nvCxnSpPr>
+          <p:cNvPr id="206" name="Straight Connector 205"/>
+          <p:cNvCxnSpPr/>
+          <p:nvPr/>
+        </p:nvCxnSpPr>
+        <p:spPr>
+          <a:xfrm>
+            <a:off x="299062" y="3764563"/>
+            <a:ext cx="720080" cy="0"/>
+          </a:xfrm>
+          <a:prstGeom prst="line">
+            <a:avLst/>
+          </a:prstGeom>
+          <a:ln w="19050"/>
+        </p:spPr>
+        <p:style>
+          <a:lnRef idx="1">
+            <a:schemeClr val="accent1"/>
+          </a:lnRef>
+          <a:fillRef idx="0">
+            <a:schemeClr val="accent1"/>
+          </a:fillRef>
+          <a:effectRef idx="0">
+            <a:schemeClr val="accent1"/>
+          </a:effectRef>
+          <a:fontRef idx="minor">
+            <a:schemeClr val="tx1"/>
+          </a:fontRef>
+        </p:style>
+      </p:cxnSp>
+      <p:sp>
+        <p:nvSpPr>
+          <p:cNvPr id="207" name="TextBox 206"/>
+          <p:cNvSpPr txBox="1"/>
+          <p:nvPr/>
+        </p:nvSpPr>
+        <p:spPr>
+          <a:xfrm>
+            <a:off x="408867" y="3581372"/>
+            <a:ext cx="631224" cy="230832"/>
+          </a:xfrm>
+          <a:prstGeom prst="rect">
+            <a:avLst/>
+          </a:prstGeom>
+          <a:solidFill>
+            <a:schemeClr val="bg1"/>
+          </a:solidFill>
+          <a:ln>
+            <a:solidFill>
+              <a:srgbClr val="C00000"/>
+            </a:solidFill>
+          </a:ln>
+        </p:spPr>
+        <p:txBody>
+          <a:bodyPr wrap="square" rtlCol="0">
+            <a:spAutoFit/>
+          </a:bodyPr>
+          <a:lstStyle/>
+          <a:p>
+            <a:r>
+              <a:rPr lang="en-AU" sz="900" dirty="0" smtClean="0"/>
+              <a:t>Info</a:t>
+            </a:r>
+            <a:endParaRPr lang="en-AU" sz="900" dirty="0"/>
+          </a:p>
+        </p:txBody>
+      </p:sp>
+      <p:sp>
+        <p:nvSpPr>
+          <p:cNvPr id="208" name="TextBox 207"/>
+          <p:cNvSpPr txBox="1"/>
+          <p:nvPr/>
+        </p:nvSpPr>
+        <p:spPr>
+          <a:xfrm>
+            <a:off x="405935" y="4049732"/>
+            <a:ext cx="775674" cy="369332"/>
+          </a:xfrm>
+          <a:prstGeom prst="rect">
+            <a:avLst/>
+          </a:prstGeom>
+          <a:solidFill>
+            <a:schemeClr val="bg1"/>
+          </a:solidFill>
+          <a:ln>
+            <a:solidFill>
+              <a:srgbClr val="C00000"/>
+            </a:solidFill>
+          </a:ln>
+        </p:spPr>
+        <p:txBody>
+          <a:bodyPr wrap="square" rtlCol="0">
+            <a:spAutoFit/>
+          </a:bodyPr>
+          <a:lstStyle/>
+          <a:p>
+            <a:r>
+              <a:rPr lang="en-AU" sz="900" dirty="0" smtClean="0"/>
+              <a:t>Committee Info</a:t>
+            </a:r>
+            <a:endParaRPr lang="en-AU" sz="900" dirty="0"/>
+          </a:p>
+        </p:txBody>
+      </p:sp>
+      <p:sp>
+        <p:nvSpPr>
+          <p:cNvPr id="209" name="TextBox 208"/>
+          <p:cNvSpPr txBox="1"/>
+          <p:nvPr/>
+        </p:nvSpPr>
+        <p:spPr>
+          <a:xfrm>
+            <a:off x="406770" y="4442009"/>
+            <a:ext cx="749613" cy="369332"/>
+          </a:xfrm>
+          <a:prstGeom prst="rect">
+            <a:avLst/>
+          </a:prstGeom>
+          <a:solidFill>
+            <a:schemeClr val="bg1"/>
+          </a:solidFill>
+          <a:ln>
+            <a:solidFill>
+              <a:srgbClr val="C00000"/>
+            </a:solidFill>
+          </a:ln>
+        </p:spPr>
+        <p:txBody>
+          <a:bodyPr wrap="square" rtlCol="0">
+            <a:spAutoFit/>
+          </a:bodyPr>
+          <a:lstStyle/>
+          <a:p>
+            <a:r>
+              <a:rPr lang="en-AU" sz="900" dirty="0" smtClean="0"/>
+              <a:t>Life Members</a:t>
+            </a:r>
+            <a:endParaRPr lang="en-AU" sz="900" dirty="0"/>
+          </a:p>
+        </p:txBody>
+      </p:sp>
+      <p:sp>
+        <p:nvSpPr>
+          <p:cNvPr id="210" name="TextBox 209"/>
+          <p:cNvSpPr txBox="1"/>
+          <p:nvPr/>
+        </p:nvSpPr>
+        <p:spPr>
+          <a:xfrm>
+            <a:off x="405934" y="5302646"/>
+            <a:ext cx="719245" cy="230832"/>
+          </a:xfrm>
+          <a:prstGeom prst="rect">
+            <a:avLst/>
+          </a:prstGeom>
+          <a:solidFill>
+            <a:schemeClr val="bg1"/>
+          </a:solidFill>
+          <a:ln>
+            <a:solidFill>
+              <a:srgbClr val="C00000"/>
+            </a:solidFill>
+          </a:ln>
+        </p:spPr>
+        <p:txBody>
+          <a:bodyPr wrap="square" rtlCol="0">
+            <a:spAutoFit/>
+          </a:bodyPr>
+          <a:lstStyle/>
+          <a:p>
+            <a:r>
+              <a:rPr lang="en-AU" sz="900" dirty="0" smtClean="0"/>
+              <a:t>Conductors</a:t>
+            </a:r>
+            <a:endParaRPr lang="en-AU" sz="900" dirty="0"/>
+          </a:p>
+        </p:txBody>
+      </p:sp>
+      <p:sp>
+        <p:nvSpPr>
+          <p:cNvPr id="211" name="TextBox 210"/>
+          <p:cNvSpPr txBox="1"/>
+          <p:nvPr/>
+        </p:nvSpPr>
+        <p:spPr>
+          <a:xfrm>
+            <a:off x="405935" y="4853230"/>
+            <a:ext cx="750448" cy="369332"/>
+          </a:xfrm>
+          <a:prstGeom prst="rect">
+            <a:avLst/>
+          </a:prstGeom>
+          <a:solidFill>
+            <a:schemeClr val="bg1"/>
+          </a:solidFill>
+          <a:ln>
+            <a:solidFill>
+              <a:srgbClr val="C00000"/>
+            </a:solidFill>
+          </a:ln>
+        </p:spPr>
+        <p:txBody>
+          <a:bodyPr wrap="square" rtlCol="0">
+            <a:spAutoFit/>
+          </a:bodyPr>
+          <a:lstStyle/>
+          <a:p>
+            <a:r>
+              <a:rPr lang="en-AU" sz="900" dirty="0" smtClean="0"/>
+              <a:t>Next Functions</a:t>
+            </a:r>
+            <a:endParaRPr lang="en-AU" sz="900" dirty="0"/>
+          </a:p>
+        </p:txBody>
+      </p:sp>
+      <p:sp>
+        <p:nvSpPr>
+          <p:cNvPr id="212" name="TextBox 211"/>
+          <p:cNvSpPr txBox="1"/>
+          <p:nvPr/>
+        </p:nvSpPr>
+        <p:spPr>
+          <a:xfrm>
+            <a:off x="405934" y="5737220"/>
+            <a:ext cx="763911" cy="369332"/>
+          </a:xfrm>
+          <a:prstGeom prst="rect">
+            <a:avLst/>
+          </a:prstGeom>
+          <a:solidFill>
+            <a:schemeClr val="bg1"/>
+          </a:solidFill>
+          <a:ln>
+            <a:solidFill>
+              <a:srgbClr val="C00000"/>
+            </a:solidFill>
+          </a:ln>
+        </p:spPr>
+        <p:txBody>
+          <a:bodyPr wrap="square" rtlCol="0">
+            <a:spAutoFit/>
+          </a:bodyPr>
+          <a:lstStyle/>
+          <a:p>
+            <a:r>
+              <a:rPr lang="en-AU" sz="900" dirty="0" smtClean="0"/>
+              <a:t>Guest Artists</a:t>
+            </a:r>
+            <a:endParaRPr lang="en-AU" sz="900" dirty="0"/>
+          </a:p>
+        </p:txBody>
+      </p:sp>
+      <p:cxnSp>
+        <p:nvCxnSpPr>
+          <p:cNvPr id="221" name="Straight Connector 220"/>
+          <p:cNvCxnSpPr/>
+          <p:nvPr/>
+        </p:nvCxnSpPr>
+        <p:spPr>
+          <a:xfrm>
+            <a:off x="5197796" y="4262362"/>
+            <a:ext cx="247836" cy="0"/>
+          </a:xfrm>
+          <a:prstGeom prst="line">
+            <a:avLst/>
+          </a:prstGeom>
+          <a:ln w="19050"/>
+        </p:spPr>
+        <p:style>
+          <a:lnRef idx="1">
+            <a:schemeClr val="accent1"/>
+          </a:lnRef>
+          <a:fillRef idx="0">
+            <a:schemeClr val="accent1"/>
+          </a:fillRef>
+          <a:effectRef idx="0">
+            <a:schemeClr val="accent1"/>
+          </a:effectRef>
+          <a:fontRef idx="minor">
+            <a:schemeClr val="tx1"/>
+          </a:fontRef>
+        </p:style>
+      </p:cxnSp>
+      <p:cxnSp>
+        <p:nvCxnSpPr>
+          <p:cNvPr id="222" name="Straight Connector 221"/>
+          <p:cNvCxnSpPr/>
+          <p:nvPr/>
+        </p:nvCxnSpPr>
+        <p:spPr>
+          <a:xfrm>
+            <a:off x="5197797" y="3878514"/>
+            <a:ext cx="720080" cy="0"/>
+          </a:xfrm>
+          <a:prstGeom prst="line">
+            <a:avLst/>
+          </a:prstGeom>
+          <a:ln w="19050"/>
+        </p:spPr>
+        <p:style>
+          <a:lnRef idx="1">
+            <a:schemeClr val="accent1"/>
+          </a:lnRef>
+          <a:fillRef idx="0">
+            <a:schemeClr val="accent1"/>
+          </a:fillRef>
+          <a:effectRef idx="0">
+            <a:schemeClr val="accent1"/>
+          </a:effectRef>
+          <a:fontRef idx="minor">
+            <a:schemeClr val="tx1"/>
+          </a:fontRef>
+        </p:style>
+      </p:cxnSp>
+      <p:cxnSp>
+        <p:nvCxnSpPr>
+          <p:cNvPr id="223" name="Straight Connector 222"/>
+          <p:cNvCxnSpPr/>
+          <p:nvPr/>
+        </p:nvCxnSpPr>
+        <p:spPr>
+          <a:xfrm>
+            <a:off x="5197796" y="3408679"/>
+            <a:ext cx="720080" cy="0"/>
+          </a:xfrm>
+          <a:prstGeom prst="line">
+            <a:avLst/>
+          </a:prstGeom>
+          <a:ln w="19050"/>
+        </p:spPr>
+        <p:style>
+          <a:lnRef idx="1">
+            <a:schemeClr val="accent1"/>
+          </a:lnRef>
+          <a:fillRef idx="0">
+            <a:schemeClr val="accent1"/>
+          </a:fillRef>
+          <a:effectRef idx="0">
+            <a:schemeClr val="accent1"/>
+          </a:effectRef>
+          <a:fontRef idx="minor">
+            <a:schemeClr val="tx1"/>
+          </a:fontRef>
+        </p:style>
+      </p:cxnSp>
+      <p:cxnSp>
+        <p:nvCxnSpPr>
+          <p:cNvPr id="224" name="Straight Connector 223"/>
+          <p:cNvCxnSpPr/>
+          <p:nvPr/>
+        </p:nvCxnSpPr>
+        <p:spPr>
+          <a:xfrm>
+            <a:off x="5189482" y="2997458"/>
+            <a:ext cx="720080" cy="0"/>
+          </a:xfrm>
+          <a:prstGeom prst="line">
+            <a:avLst/>
+          </a:prstGeom>
+          <a:ln w="19050"/>
+        </p:spPr>
+        <p:style>
+          <a:lnRef idx="1">
+            <a:schemeClr val="accent1"/>
+          </a:lnRef>
+          <a:fillRef idx="0">
+            <a:schemeClr val="accent1"/>
+          </a:fillRef>
+          <a:effectRef idx="0">
+            <a:schemeClr val="accent1"/>
+          </a:effectRef>
+          <a:fontRef idx="minor">
+            <a:schemeClr val="tx1"/>
+          </a:fontRef>
+        </p:style>
+      </p:cxnSp>
+      <p:cxnSp>
+        <p:nvCxnSpPr>
+          <p:cNvPr id="225" name="Straight Connector 224"/>
+          <p:cNvCxnSpPr/>
+          <p:nvPr/>
+        </p:nvCxnSpPr>
+        <p:spPr>
+          <a:xfrm>
+            <a:off x="5197796" y="2565257"/>
+            <a:ext cx="720080" cy="0"/>
+          </a:xfrm>
+          <a:prstGeom prst="line">
+            <a:avLst/>
+          </a:prstGeom>
+          <a:ln w="19050"/>
+        </p:spPr>
+        <p:style>
+          <a:lnRef idx="1">
+            <a:schemeClr val="accent1"/>
+          </a:lnRef>
+          <a:fillRef idx="0">
+            <a:schemeClr val="accent1"/>
+          </a:fillRef>
+          <a:effectRef idx="0">
+            <a:schemeClr val="accent1"/>
+          </a:effectRef>
+          <a:fontRef idx="minor">
+            <a:schemeClr val="tx1"/>
+          </a:fontRef>
+        </p:style>
+      </p:cxnSp>
+      <p:cxnSp>
+        <p:nvCxnSpPr>
+          <p:cNvPr id="226" name="Straight Connector 225"/>
+          <p:cNvCxnSpPr/>
+          <p:nvPr/>
+        </p:nvCxnSpPr>
+        <p:spPr>
+          <a:xfrm>
+            <a:off x="5189482" y="2135346"/>
+            <a:ext cx="720080" cy="0"/>
+          </a:xfrm>
+          <a:prstGeom prst="line">
+            <a:avLst/>
+          </a:prstGeom>
+          <a:ln w="19050"/>
+        </p:spPr>
+        <p:style>
+          <a:lnRef idx="1">
+            <a:schemeClr val="accent1"/>
+          </a:lnRef>
+          <a:fillRef idx="0">
+            <a:schemeClr val="accent1"/>
+          </a:fillRef>
+          <a:effectRef idx="0">
+            <a:schemeClr val="accent1"/>
+          </a:effectRef>
+          <a:fontRef idx="minor">
+            <a:schemeClr val="tx1"/>
+          </a:fontRef>
+        </p:style>
+      </p:cxnSp>
+      <p:sp>
+        <p:nvSpPr>
+          <p:cNvPr id="227" name="TextBox 226"/>
+          <p:cNvSpPr txBox="1"/>
+          <p:nvPr/>
+        </p:nvSpPr>
+        <p:spPr>
+          <a:xfrm>
+            <a:off x="5299287" y="1952155"/>
+            <a:ext cx="631224" cy="230832"/>
+          </a:xfrm>
+          <a:prstGeom prst="rect">
+            <a:avLst/>
+          </a:prstGeom>
+          <a:solidFill>
+            <a:schemeClr val="bg1"/>
+          </a:solidFill>
+          <a:ln>
+            <a:solidFill>
+              <a:srgbClr val="C00000"/>
+            </a:solidFill>
+          </a:ln>
+        </p:spPr>
+        <p:txBody>
+          <a:bodyPr wrap="square" rtlCol="0">
+            <a:spAutoFit/>
+          </a:bodyPr>
+          <a:lstStyle/>
+          <a:p>
+            <a:r>
+              <a:rPr lang="en-AU" sz="900" smtClean="0"/>
+              <a:t>2017 </a:t>
+            </a:r>
+            <a:endParaRPr lang="en-AU" sz="900" dirty="0"/>
+          </a:p>
+        </p:txBody>
+      </p:sp>
+      <p:sp>
+        <p:nvSpPr>
+          <p:cNvPr id="228" name="TextBox 227"/>
+          <p:cNvSpPr txBox="1"/>
+          <p:nvPr/>
+        </p:nvSpPr>
+        <p:spPr>
+          <a:xfrm>
+            <a:off x="5296355" y="2420515"/>
+            <a:ext cx="631224" cy="369332"/>
+          </a:xfrm>
+          <a:prstGeom prst="rect">
+            <a:avLst/>
+          </a:prstGeom>
+          <a:solidFill>
+            <a:schemeClr val="bg1"/>
+          </a:solidFill>
+          <a:ln>
+            <a:solidFill>
+              <a:srgbClr val="C00000"/>
+            </a:solidFill>
+          </a:ln>
+        </p:spPr>
+        <p:txBody>
+          <a:bodyPr wrap="square" rtlCol="0">
+            <a:spAutoFit/>
+          </a:bodyPr>
+          <a:lstStyle/>
+          <a:p>
+            <a:r>
+              <a:rPr lang="en-AU" sz="900" dirty="0" smtClean="0"/>
+              <a:t>Previous concert</a:t>
+            </a:r>
+            <a:endParaRPr lang="en-AU" sz="900" dirty="0"/>
+          </a:p>
+        </p:txBody>
+      </p:sp>
+      <p:sp>
+        <p:nvSpPr>
+          <p:cNvPr id="229" name="TextBox 228"/>
+          <p:cNvSpPr txBox="1"/>
+          <p:nvPr/>
+        </p:nvSpPr>
+        <p:spPr>
+          <a:xfrm>
+            <a:off x="5297191" y="2812792"/>
+            <a:ext cx="631224" cy="369332"/>
+          </a:xfrm>
+          <a:prstGeom prst="rect">
+            <a:avLst/>
+          </a:prstGeom>
+          <a:solidFill>
+            <a:schemeClr val="bg1"/>
+          </a:solidFill>
+          <a:ln>
+            <a:solidFill>
+              <a:srgbClr val="C00000"/>
+            </a:solidFill>
+          </a:ln>
+        </p:spPr>
+        <p:txBody>
+          <a:bodyPr wrap="square" rtlCol="0">
+            <a:spAutoFit/>
+          </a:bodyPr>
+          <a:lstStyle/>
+          <a:p>
+            <a:r>
+              <a:rPr lang="en-AU" sz="900" dirty="0" smtClean="0"/>
+              <a:t>Previous concert</a:t>
+            </a:r>
+            <a:endParaRPr lang="en-AU" sz="900" dirty="0"/>
+          </a:p>
+        </p:txBody>
+      </p:sp>
+      <p:sp>
+        <p:nvSpPr>
+          <p:cNvPr id="230" name="TextBox 229"/>
+          <p:cNvSpPr txBox="1"/>
+          <p:nvPr/>
+        </p:nvSpPr>
+        <p:spPr>
+          <a:xfrm>
+            <a:off x="5296355" y="3673429"/>
+            <a:ext cx="631224" cy="369332"/>
+          </a:xfrm>
+          <a:prstGeom prst="rect">
+            <a:avLst/>
+          </a:prstGeom>
+          <a:solidFill>
+            <a:schemeClr val="bg1"/>
+          </a:solidFill>
+          <a:ln>
+            <a:solidFill>
+              <a:srgbClr val="C00000"/>
+            </a:solidFill>
+          </a:ln>
+        </p:spPr>
+        <p:txBody>
+          <a:bodyPr wrap="square" rtlCol="0">
+            <a:spAutoFit/>
+          </a:bodyPr>
+          <a:lstStyle/>
+          <a:p>
+            <a:r>
+              <a:rPr lang="en-AU" sz="900" dirty="0" smtClean="0"/>
+              <a:t>Previous concert</a:t>
+            </a:r>
+            <a:endParaRPr lang="en-AU" sz="900" dirty="0"/>
+          </a:p>
+        </p:txBody>
+      </p:sp>
+      <p:sp>
+        <p:nvSpPr>
+          <p:cNvPr id="231" name="TextBox 230"/>
+          <p:cNvSpPr txBox="1"/>
+          <p:nvPr/>
+        </p:nvSpPr>
+        <p:spPr>
+          <a:xfrm>
+            <a:off x="5296355" y="3224013"/>
+            <a:ext cx="631224" cy="369332"/>
+          </a:xfrm>
+          <a:prstGeom prst="rect">
+            <a:avLst/>
+          </a:prstGeom>
+          <a:solidFill>
+            <a:schemeClr val="bg1"/>
+          </a:solidFill>
+          <a:ln>
+            <a:solidFill>
+              <a:srgbClr val="C00000"/>
+            </a:solidFill>
+          </a:ln>
+        </p:spPr>
+        <p:txBody>
+          <a:bodyPr wrap="square" rtlCol="0">
+            <a:spAutoFit/>
+          </a:bodyPr>
+          <a:lstStyle/>
+          <a:p>
+            <a:r>
+              <a:rPr lang="en-AU" sz="900" dirty="0" smtClean="0"/>
+              <a:t>Previous concert</a:t>
+            </a:r>
+            <a:endParaRPr lang="en-AU" sz="900" dirty="0"/>
+          </a:p>
+        </p:txBody>
+      </p:sp>
+      <p:sp>
+        <p:nvSpPr>
+          <p:cNvPr id="232" name="TextBox 231"/>
+          <p:cNvSpPr txBox="1"/>
+          <p:nvPr/>
+        </p:nvSpPr>
+        <p:spPr>
+          <a:xfrm>
+            <a:off x="5296355" y="4108003"/>
+            <a:ext cx="631224" cy="369332"/>
+          </a:xfrm>
+          <a:prstGeom prst="rect">
+            <a:avLst/>
+          </a:prstGeom>
+          <a:solidFill>
+            <a:schemeClr val="bg1"/>
+          </a:solidFill>
+          <a:ln>
+            <a:solidFill>
+              <a:srgbClr val="C00000"/>
+            </a:solidFill>
+          </a:ln>
+        </p:spPr>
+        <p:txBody>
+          <a:bodyPr wrap="square" rtlCol="0">
+            <a:spAutoFit/>
+          </a:bodyPr>
+          <a:lstStyle/>
+          <a:p>
+            <a:r>
+              <a:rPr lang="en-AU" sz="900" dirty="0" smtClean="0"/>
+              <a:t>Previous concert</a:t>
+            </a:r>
+            <a:endParaRPr lang="en-AU" sz="900" dirty="0"/>
+          </a:p>
+        </p:txBody>
+      </p:sp>
+      <p:cxnSp>
+        <p:nvCxnSpPr>
+          <p:cNvPr id="237" name="Straight Connector 236"/>
+          <p:cNvCxnSpPr/>
+          <p:nvPr/>
+        </p:nvCxnSpPr>
+        <p:spPr>
+          <a:xfrm>
+            <a:off x="6591658" y="3435300"/>
+            <a:ext cx="720080" cy="0"/>
+          </a:xfrm>
+          <a:prstGeom prst="line">
+            <a:avLst/>
+          </a:prstGeom>
+          <a:ln w="19050"/>
+        </p:spPr>
+        <p:style>
+          <a:lnRef idx="1">
+            <a:schemeClr val="accent1"/>
+          </a:lnRef>
+          <a:fillRef idx="0">
+            <a:schemeClr val="accent1"/>
+          </a:fillRef>
+          <a:effectRef idx="0">
+            <a:schemeClr val="accent1"/>
+          </a:effectRef>
+          <a:fontRef idx="minor">
+            <a:schemeClr val="tx1"/>
+          </a:fontRef>
+        </p:style>
+      </p:cxnSp>
+      <p:cxnSp>
+        <p:nvCxnSpPr>
+          <p:cNvPr id="238" name="Straight Connector 237"/>
+          <p:cNvCxnSpPr/>
+          <p:nvPr/>
+        </p:nvCxnSpPr>
+        <p:spPr>
+          <a:xfrm>
+            <a:off x="6583344" y="3024079"/>
+            <a:ext cx="720080" cy="0"/>
+          </a:xfrm>
+          <a:prstGeom prst="line">
+            <a:avLst/>
+          </a:prstGeom>
+          <a:ln w="19050"/>
+        </p:spPr>
+        <p:style>
+          <a:lnRef idx="1">
+            <a:schemeClr val="accent1"/>
+          </a:lnRef>
+          <a:fillRef idx="0">
+            <a:schemeClr val="accent1"/>
+          </a:fillRef>
+          <a:effectRef idx="0">
+            <a:schemeClr val="accent1"/>
+          </a:effectRef>
+          <a:fontRef idx="minor">
+            <a:schemeClr val="tx1"/>
+          </a:fontRef>
+        </p:style>
+      </p:cxnSp>
+      <p:cxnSp>
+        <p:nvCxnSpPr>
+          <p:cNvPr id="239" name="Straight Connector 238"/>
+          <p:cNvCxnSpPr/>
+          <p:nvPr/>
+        </p:nvCxnSpPr>
+        <p:spPr>
+          <a:xfrm>
+            <a:off x="6591658" y="2591878"/>
+            <a:ext cx="720080" cy="0"/>
+          </a:xfrm>
+          <a:prstGeom prst="line">
+            <a:avLst/>
+          </a:prstGeom>
+          <a:ln w="19050"/>
+        </p:spPr>
+        <p:style>
+          <a:lnRef idx="1">
+            <a:schemeClr val="accent1"/>
+          </a:lnRef>
+          <a:fillRef idx="0">
+            <a:schemeClr val="accent1"/>
+          </a:fillRef>
+          <a:effectRef idx="0">
+            <a:schemeClr val="accent1"/>
+          </a:effectRef>
+          <a:fontRef idx="minor">
+            <a:schemeClr val="tx1"/>
+          </a:fontRef>
+        </p:style>
+      </p:cxnSp>
+      <p:cxnSp>
+        <p:nvCxnSpPr>
+          <p:cNvPr id="240" name="Straight Connector 239"/>
+          <p:cNvCxnSpPr/>
+          <p:nvPr/>
+        </p:nvCxnSpPr>
+        <p:spPr>
+          <a:xfrm>
+            <a:off x="6583344" y="2161967"/>
+            <a:ext cx="720080" cy="0"/>
+          </a:xfrm>
+          <a:prstGeom prst="line">
+            <a:avLst/>
+          </a:prstGeom>
+          <a:ln w="19050"/>
+        </p:spPr>
+        <p:style>
+          <a:lnRef idx="1">
+            <a:schemeClr val="accent1"/>
+          </a:lnRef>
+          <a:fillRef idx="0">
+            <a:schemeClr val="accent1"/>
+          </a:fillRef>
+          <a:effectRef idx="0">
+            <a:schemeClr val="accent1"/>
+          </a:effectRef>
+          <a:fontRef idx="minor">
+            <a:schemeClr val="tx1"/>
+          </a:fontRef>
+        </p:style>
+      </p:cxnSp>
+      <p:sp>
+        <p:nvSpPr>
+          <p:cNvPr id="241" name="TextBox 240"/>
+          <p:cNvSpPr txBox="1"/>
+          <p:nvPr/>
+        </p:nvSpPr>
+        <p:spPr>
+          <a:xfrm>
+            <a:off x="6693149" y="1978776"/>
+            <a:ext cx="631224" cy="369332"/>
+          </a:xfrm>
+          <a:prstGeom prst="rect">
+            <a:avLst/>
+          </a:prstGeom>
+          <a:solidFill>
+            <a:schemeClr val="bg1"/>
+          </a:solidFill>
+          <a:ln>
+            <a:solidFill>
+              <a:srgbClr val="C00000"/>
+            </a:solidFill>
+          </a:ln>
+        </p:spPr>
+        <p:txBody>
+          <a:bodyPr wrap="square" rtlCol="0">
+            <a:spAutoFit/>
+          </a:bodyPr>
+          <a:lstStyle/>
+          <a:p>
+            <a:r>
+              <a:rPr lang="en-AU" sz="900" dirty="0" smtClean="0"/>
+              <a:t>Previous concert</a:t>
+            </a:r>
+            <a:endParaRPr lang="en-AU" sz="900" dirty="0"/>
+          </a:p>
+        </p:txBody>
+      </p:sp>
+      <p:sp>
+        <p:nvSpPr>
+          <p:cNvPr id="242" name="TextBox 241"/>
+          <p:cNvSpPr txBox="1"/>
+          <p:nvPr/>
+        </p:nvSpPr>
+        <p:spPr>
+          <a:xfrm>
+            <a:off x="6690217" y="2447136"/>
+            <a:ext cx="631224" cy="369332"/>
+          </a:xfrm>
+          <a:prstGeom prst="rect">
+            <a:avLst/>
+          </a:prstGeom>
+          <a:solidFill>
+            <a:schemeClr val="bg1"/>
+          </a:solidFill>
+          <a:ln>
+            <a:solidFill>
+              <a:srgbClr val="C00000"/>
+            </a:solidFill>
+          </a:ln>
+        </p:spPr>
+        <p:txBody>
+          <a:bodyPr wrap="square" rtlCol="0">
+            <a:spAutoFit/>
+          </a:bodyPr>
+          <a:lstStyle/>
+          <a:p>
+            <a:r>
+              <a:rPr lang="en-AU" sz="900" dirty="0" smtClean="0"/>
+              <a:t>Previous concert</a:t>
+            </a:r>
+            <a:endParaRPr lang="en-AU" sz="900" dirty="0"/>
+          </a:p>
+        </p:txBody>
+      </p:sp>
+      <p:sp>
+        <p:nvSpPr>
+          <p:cNvPr id="243" name="TextBox 242"/>
+          <p:cNvSpPr txBox="1"/>
+          <p:nvPr/>
+        </p:nvSpPr>
+        <p:spPr>
+          <a:xfrm>
+            <a:off x="6691053" y="2839413"/>
+            <a:ext cx="631224" cy="369332"/>
+          </a:xfrm>
+          <a:prstGeom prst="rect">
+            <a:avLst/>
+          </a:prstGeom>
+          <a:solidFill>
+            <a:schemeClr val="bg1"/>
+          </a:solidFill>
+          <a:ln>
+            <a:solidFill>
+              <a:srgbClr val="C00000"/>
+            </a:solidFill>
+          </a:ln>
+        </p:spPr>
+        <p:txBody>
+          <a:bodyPr wrap="square" rtlCol="0">
+            <a:spAutoFit/>
+          </a:bodyPr>
+          <a:lstStyle/>
+          <a:p>
+            <a:r>
+              <a:rPr lang="en-AU" sz="900" dirty="0" smtClean="0"/>
+              <a:t>Previous concert</a:t>
+            </a:r>
+            <a:endParaRPr lang="en-AU" sz="900" dirty="0"/>
+          </a:p>
+        </p:txBody>
+      </p:sp>
+      <p:sp>
+        <p:nvSpPr>
+          <p:cNvPr id="245" name="TextBox 244"/>
+          <p:cNvSpPr txBox="1"/>
+          <p:nvPr/>
+        </p:nvSpPr>
+        <p:spPr>
+          <a:xfrm>
+            <a:off x="6690217" y="3250634"/>
+            <a:ext cx="631224" cy="369332"/>
+          </a:xfrm>
+          <a:prstGeom prst="rect">
+            <a:avLst/>
+          </a:prstGeom>
+          <a:solidFill>
+            <a:schemeClr val="bg1"/>
+          </a:solidFill>
+          <a:ln>
+            <a:solidFill>
+              <a:srgbClr val="C00000"/>
+            </a:solidFill>
+          </a:ln>
+        </p:spPr>
+        <p:txBody>
+          <a:bodyPr wrap="square" rtlCol="0">
+            <a:spAutoFit/>
+          </a:bodyPr>
+          <a:lstStyle/>
+          <a:p>
+            <a:r>
+              <a:rPr lang="en-AU" sz="900" dirty="0" smtClean="0"/>
+              <a:t>Previous concert</a:t>
+            </a:r>
+            <a:endParaRPr lang="en-AU" sz="900" dirty="0"/>
+          </a:p>
+        </p:txBody>
+      </p:sp>
+      <p:cxnSp>
+        <p:nvCxnSpPr>
+          <p:cNvPr id="260" name="Straight Connector 259"/>
+          <p:cNvCxnSpPr/>
+          <p:nvPr/>
+        </p:nvCxnSpPr>
+        <p:spPr>
+          <a:xfrm>
+            <a:off x="7878205" y="3499814"/>
+            <a:ext cx="720080" cy="0"/>
+          </a:xfrm>
+          <a:prstGeom prst="line">
+            <a:avLst/>
+          </a:prstGeom>
+          <a:ln w="19050"/>
+        </p:spPr>
+        <p:style>
+          <a:lnRef idx="1">
+            <a:schemeClr val="accent1"/>
+          </a:lnRef>
+          <a:fillRef idx="0">
+            <a:schemeClr val="accent1"/>
+          </a:fillRef>
+          <a:effectRef idx="0">
+            <a:schemeClr val="accent1"/>
+          </a:effectRef>
+          <a:fontRef idx="minor">
+            <a:schemeClr val="tx1"/>
+          </a:fontRef>
+        </p:style>
+      </p:cxnSp>
+      <p:cxnSp>
+        <p:nvCxnSpPr>
+          <p:cNvPr id="261" name="Straight Connector 260"/>
+          <p:cNvCxnSpPr/>
+          <p:nvPr/>
+        </p:nvCxnSpPr>
+        <p:spPr>
+          <a:xfrm>
+            <a:off x="7869891" y="3088593"/>
+            <a:ext cx="720080" cy="0"/>
+          </a:xfrm>
+          <a:prstGeom prst="line">
+            <a:avLst/>
+          </a:prstGeom>
+          <a:ln w="19050"/>
+        </p:spPr>
+        <p:style>
+          <a:lnRef idx="1">
+            <a:schemeClr val="accent1"/>
+          </a:lnRef>
+          <a:fillRef idx="0">
+            <a:schemeClr val="accent1"/>
+          </a:fillRef>
+          <a:effectRef idx="0">
+            <a:schemeClr val="accent1"/>
+          </a:effectRef>
+          <a:fontRef idx="minor">
+            <a:schemeClr val="tx1"/>
+          </a:fontRef>
+        </p:style>
+      </p:cxnSp>
+      <p:cxnSp>
+        <p:nvCxnSpPr>
+          <p:cNvPr id="262" name="Straight Connector 261"/>
+          <p:cNvCxnSpPr/>
+          <p:nvPr/>
+        </p:nvCxnSpPr>
+        <p:spPr>
+          <a:xfrm>
+            <a:off x="7878205" y="2656392"/>
+            <a:ext cx="720080" cy="0"/>
+          </a:xfrm>
+          <a:prstGeom prst="line">
+            <a:avLst/>
+          </a:prstGeom>
+          <a:ln w="19050"/>
+        </p:spPr>
+        <p:style>
+          <a:lnRef idx="1">
+            <a:schemeClr val="accent1"/>
+          </a:lnRef>
+          <a:fillRef idx="0">
+            <a:schemeClr val="accent1"/>
+          </a:fillRef>
+          <a:effectRef idx="0">
+            <a:schemeClr val="accent1"/>
+          </a:effectRef>
+          <a:fontRef idx="minor">
+            <a:schemeClr val="tx1"/>
+          </a:fontRef>
+        </p:style>
+      </p:cxnSp>
+      <p:cxnSp>
+        <p:nvCxnSpPr>
+          <p:cNvPr id="263" name="Straight Connector 262"/>
+          <p:cNvCxnSpPr/>
+          <p:nvPr/>
+        </p:nvCxnSpPr>
+        <p:spPr>
+          <a:xfrm>
+            <a:off x="7869891" y="2226481"/>
+            <a:ext cx="720080" cy="0"/>
+          </a:xfrm>
+          <a:prstGeom prst="line">
+            <a:avLst/>
+          </a:prstGeom>
+          <a:ln w="19050"/>
+        </p:spPr>
+        <p:style>
+          <a:lnRef idx="1">
+            <a:schemeClr val="accent1"/>
+          </a:lnRef>
+          <a:fillRef idx="0">
+            <a:schemeClr val="accent1"/>
+          </a:fillRef>
+          <a:effectRef idx="0">
+            <a:schemeClr val="accent1"/>
+          </a:effectRef>
+          <a:fontRef idx="minor">
+            <a:schemeClr val="tx1"/>
+          </a:fontRef>
+        </p:style>
+      </p:cxnSp>
+      <p:sp>
+        <p:nvSpPr>
+          <p:cNvPr id="264" name="TextBox 263"/>
+          <p:cNvSpPr txBox="1"/>
+          <p:nvPr/>
+        </p:nvSpPr>
+        <p:spPr>
+          <a:xfrm>
+            <a:off x="7979696" y="2043290"/>
+            <a:ext cx="631224" cy="369332"/>
+          </a:xfrm>
+          <a:prstGeom prst="rect">
+            <a:avLst/>
+          </a:prstGeom>
+          <a:solidFill>
+            <a:schemeClr val="bg1"/>
+          </a:solidFill>
+          <a:ln>
+            <a:solidFill>
+              <a:srgbClr val="C00000"/>
+            </a:solidFill>
+          </a:ln>
+        </p:spPr>
+        <p:txBody>
+          <a:bodyPr wrap="square" rtlCol="0">
+            <a:spAutoFit/>
+          </a:bodyPr>
+          <a:lstStyle/>
+          <a:p>
+            <a:r>
+              <a:rPr lang="en-AU" sz="900" dirty="0" smtClean="0"/>
+              <a:t>Previous concert</a:t>
+            </a:r>
+            <a:endParaRPr lang="en-AU" sz="900" dirty="0"/>
+          </a:p>
+        </p:txBody>
+      </p:sp>
+      <p:sp>
+        <p:nvSpPr>
+          <p:cNvPr id="265" name="TextBox 264"/>
+          <p:cNvSpPr txBox="1"/>
+          <p:nvPr/>
+        </p:nvSpPr>
+        <p:spPr>
+          <a:xfrm>
+            <a:off x="7976764" y="2511650"/>
+            <a:ext cx="631224" cy="369332"/>
+          </a:xfrm>
+          <a:prstGeom prst="rect">
+            <a:avLst/>
+          </a:prstGeom>
+          <a:solidFill>
+            <a:schemeClr val="bg1"/>
+          </a:solidFill>
+          <a:ln>
+            <a:solidFill>
+              <a:srgbClr val="C00000"/>
+            </a:solidFill>
+          </a:ln>
+        </p:spPr>
+        <p:txBody>
+          <a:bodyPr wrap="square" rtlCol="0">
+            <a:spAutoFit/>
+          </a:bodyPr>
+          <a:lstStyle/>
+          <a:p>
+            <a:r>
+              <a:rPr lang="en-AU" sz="900" dirty="0" smtClean="0"/>
+              <a:t>Previous concert</a:t>
+            </a:r>
+            <a:endParaRPr lang="en-AU" sz="900" dirty="0"/>
+          </a:p>
+        </p:txBody>
+      </p:sp>
+      <p:sp>
+        <p:nvSpPr>
+          <p:cNvPr id="266" name="TextBox 265"/>
+          <p:cNvSpPr txBox="1"/>
+          <p:nvPr/>
+        </p:nvSpPr>
+        <p:spPr>
+          <a:xfrm>
+            <a:off x="7977600" y="2903927"/>
+            <a:ext cx="631224" cy="369332"/>
+          </a:xfrm>
+          <a:prstGeom prst="rect">
+            <a:avLst/>
+          </a:prstGeom>
+          <a:solidFill>
+            <a:schemeClr val="bg1"/>
+          </a:solidFill>
+          <a:ln>
+            <a:solidFill>
+              <a:srgbClr val="C00000"/>
+            </a:solidFill>
+          </a:ln>
+        </p:spPr>
+        <p:txBody>
+          <a:bodyPr wrap="square" rtlCol="0">
+            <a:spAutoFit/>
+          </a:bodyPr>
+          <a:lstStyle/>
+          <a:p>
+            <a:r>
+              <a:rPr lang="en-AU" sz="900" dirty="0" smtClean="0"/>
+              <a:t>Previous concert</a:t>
+            </a:r>
+            <a:endParaRPr lang="en-AU" sz="900" dirty="0"/>
+          </a:p>
+        </p:txBody>
+      </p:sp>
+      <p:sp>
+        <p:nvSpPr>
+          <p:cNvPr id="267" name="TextBox 266"/>
+          <p:cNvSpPr txBox="1"/>
+          <p:nvPr/>
+        </p:nvSpPr>
+        <p:spPr>
+          <a:xfrm>
+            <a:off x="7976764" y="3315148"/>
+            <a:ext cx="631224" cy="369332"/>
+          </a:xfrm>
+          <a:prstGeom prst="rect">
+            <a:avLst/>
+          </a:prstGeom>
+          <a:solidFill>
+            <a:schemeClr val="bg1"/>
+          </a:solidFill>
+          <a:ln>
+            <a:solidFill>
+              <a:srgbClr val="C00000"/>
+            </a:solidFill>
+          </a:ln>
+        </p:spPr>
+        <p:txBody>
+          <a:bodyPr wrap="square" rtlCol="0">
+            <a:spAutoFit/>
+          </a:bodyPr>
+          <a:lstStyle/>
+          <a:p>
+            <a:r>
+              <a:rPr lang="en-AU" sz="900" dirty="0" smtClean="0"/>
+              <a:t>Previous concert</a:t>
+            </a:r>
+            <a:endParaRPr lang="en-AU" sz="900" dirty="0"/>
+          </a:p>
+        </p:txBody>
+      </p:sp>
+      <p:sp>
+        <p:nvSpPr>
+          <p:cNvPr id="112" name="TextBox 111"/>
+          <p:cNvSpPr txBox="1"/>
+          <p:nvPr/>
+        </p:nvSpPr>
+        <p:spPr>
+          <a:xfrm>
+            <a:off x="5074771" y="4584183"/>
+            <a:ext cx="1282526" cy="276999"/>
+          </a:xfrm>
+          <a:prstGeom prst="rect">
+            <a:avLst/>
+          </a:prstGeom>
+          <a:ln/>
+        </p:spPr>
+        <p:style>
+          <a:lnRef idx="2">
+            <a:schemeClr val="accent3"/>
+          </a:lnRef>
+          <a:fillRef idx="1">
+            <a:schemeClr val="lt1"/>
+          </a:fillRef>
+          <a:effectRef idx="0">
+            <a:schemeClr val="accent3"/>
+          </a:effectRef>
+          <a:fontRef idx="minor">
+            <a:schemeClr val="dk1"/>
+          </a:fontRef>
+        </p:style>
+        <p:txBody>
+          <a:bodyPr wrap="square" rtlCol="0">
+            <a:spAutoFit/>
+          </a:bodyPr>
+          <a:lstStyle/>
+          <a:p>
+            <a:r>
+              <a:rPr lang="en-AU" sz="1200" dirty="0"/>
+              <a:t>Notice AGM</a:t>
+            </a:r>
+          </a:p>
+        </p:txBody>
+      </p:sp>
+      <p:cxnSp>
+        <p:nvCxnSpPr>
+          <p:cNvPr id="114" name="Straight Connector 113"/>
+          <p:cNvCxnSpPr/>
+          <p:nvPr/>
+        </p:nvCxnSpPr>
+        <p:spPr>
+          <a:xfrm>
+            <a:off x="1169845" y="5891579"/>
+            <a:ext cx="720080" cy="0"/>
+          </a:xfrm>
+          <a:prstGeom prst="line">
+            <a:avLst/>
+          </a:prstGeom>
+          <a:ln w="19050"/>
+        </p:spPr>
+        <p:style>
+          <a:lnRef idx="1">
+            <a:schemeClr val="accent1"/>
+          </a:lnRef>
+          <a:fillRef idx="0">
+            <a:schemeClr val="accent1"/>
+          </a:fillRef>
+          <a:effectRef idx="0">
+            <a:schemeClr val="accent1"/>
+          </a:effectRef>
+          <a:fontRef idx="minor">
+            <a:schemeClr val="tx1"/>
+          </a:fontRef>
+        </p:style>
+      </p:cxnSp>
     </p:spTree>
     <p:extLst>
       <p:ext uri="{BB962C8B-B14F-4D97-AF65-F5344CB8AC3E}">
@@ -4949,6 +7458,13 @@
   <p:clrMapOvr>
     <a:masterClrMapping/>
   </p:clrMapOvr>
+  <p:timing>
+    <p:tnLst>
+      <p:par>
+        <p:cTn id="1" dur="indefinite" restart="never" nodeType="tmRoot"/>
+      </p:par>
+    </p:tnLst>
+  </p:timing>
 </p:sld>
 </file>
 
